--- a/DuPSUG/DuPSUG - Beginners Part Deux/PowerShell - Improving Your Scripts/PowerShell – Improving your scripts.pptx
+++ b/DuPSUG/DuPSUG - Beginners Part Deux/PowerShell - Improving Your Scripts/PowerShell – Improving your scripts.pptx
@@ -112,6 +112,11 @@
       </a:defRPr>
     </a:lvl9pPr>
   </p:defaultTextStyle>
+  <p:extLst>
+    <p:ext uri="{EFAFB233-063F-42B5-8137-9DF3F51BA10A}">
+      <p15:sldGuideLst xmlns:p15="http://schemas.microsoft.com/office/powerpoint/2012/main"/>
+    </p:ext>
+  </p:extLst>
 </p:presentation>
 </file>
 
@@ -197,7 +202,7 @@
           <a:p>
             <a:fld id="{9E24CE50-20D4-48DC-8252-256777BFBD18}" type="datetimeFigureOut">
               <a:rPr lang="en-US" smtClean="0"/>
-              <a:t>9/12/2017</a:t>
+              <a:t>9/16/2017</a:t>
             </a:fld>
             <a:endParaRPr lang="en-US"/>
           </a:p>
@@ -621,7 +626,11 @@
           <a:p>
             <a:r>
               <a:rPr lang="en-US" baseline="0" dirty="0" smtClean="0"/>
-              <a:t>Readability through indentation, comments, regions [depending on editor]</a:t>
+              <a:t>usability for dev through </a:t>
+            </a:r>
+            <a:r>
+              <a:rPr lang="en-US" baseline="0" dirty="0" smtClean="0"/>
+              <a:t>indentation, comments, regions [depending on editor]</a:t>
             </a:r>
           </a:p>
           <a:p>
@@ -1026,7 +1035,7 @@
           <a:noFill/>
           <a:extLst>
             <a:ext uri="{909E8E84-426E-40dd-AFC4-6F175D3DCCD1}">
-              <a14:hiddenFill xmlns:a14="http://schemas.microsoft.com/office/drawing/2010/main" xmlns="">
+              <a14:hiddenFill xmlns="" xmlns:a14="http://schemas.microsoft.com/office/drawing/2010/main">
                 <a:solidFill>
                   <a:srgbClr val="FFFFFF"/>
                 </a:solidFill>
@@ -1085,7 +1094,7 @@
             </a:ln>
             <a:extLst>
               <a:ext uri="{91240B29-F687-4f45-9708-019B960494DF}">
-                <a14:hiddenLine xmlns:a14="http://schemas.microsoft.com/office/drawing/2010/main" xmlns="" w="9525">
+                <a14:hiddenLine xmlns="" xmlns:a14="http://schemas.microsoft.com/office/drawing/2010/main" w="9525">
                   <a:solidFill>
                     <a:srgbClr val="000000"/>
                   </a:solidFill>
@@ -1175,7 +1184,7 @@
             </a:ln>
             <a:extLst>
               <a:ext uri="{91240B29-F687-4f45-9708-019B960494DF}">
-                <a14:hiddenLine xmlns:a14="http://schemas.microsoft.com/office/drawing/2010/main" xmlns="" w="9525">
+                <a14:hiddenLine xmlns="" xmlns:a14="http://schemas.microsoft.com/office/drawing/2010/main" w="9525">
                   <a:solidFill>
                     <a:srgbClr val="000000"/>
                   </a:solidFill>
@@ -1265,7 +1274,7 @@
             </a:ln>
             <a:extLst>
               <a:ext uri="{91240B29-F687-4f45-9708-019B960494DF}">
-                <a14:hiddenLine xmlns:a14="http://schemas.microsoft.com/office/drawing/2010/main" xmlns="" w="9525">
+                <a14:hiddenLine xmlns="" xmlns:a14="http://schemas.microsoft.com/office/drawing/2010/main" w="9525">
                   <a:solidFill>
                     <a:srgbClr val="000000"/>
                   </a:solidFill>
@@ -1299,7 +1308,7 @@
             </a:ln>
             <a:extLst>
               <a:ext uri="{91240B29-F687-4f45-9708-019B960494DF}">
-                <a14:hiddenLine xmlns:a14="http://schemas.microsoft.com/office/drawing/2010/main" xmlns="" w="9525">
+                <a14:hiddenLine xmlns="" xmlns:a14="http://schemas.microsoft.com/office/drawing/2010/main" w="9525">
                   <a:solidFill>
                     <a:srgbClr val="000000"/>
                   </a:solidFill>
@@ -1389,7 +1398,7 @@
             </a:ln>
             <a:extLst>
               <a:ext uri="{91240B29-F687-4f45-9708-019B960494DF}">
-                <a14:hiddenLine xmlns:a14="http://schemas.microsoft.com/office/drawing/2010/main" xmlns="" w="9525">
+                <a14:hiddenLine xmlns="" xmlns:a14="http://schemas.microsoft.com/office/drawing/2010/main" w="9525">
                   <a:solidFill>
                     <a:srgbClr val="000000"/>
                   </a:solidFill>
@@ -1451,7 +1460,7 @@
             </a:ln>
             <a:extLst>
               <a:ext uri="{91240B29-F687-4f45-9708-019B960494DF}">
-                <a14:hiddenLine xmlns:a14="http://schemas.microsoft.com/office/drawing/2010/main" xmlns="" w="9525">
+                <a14:hiddenLine xmlns="" xmlns:a14="http://schemas.microsoft.com/office/drawing/2010/main" w="9525">
                   <a:solidFill>
                     <a:srgbClr val="000000"/>
                   </a:solidFill>
@@ -1513,7 +1522,7 @@
             </a:ln>
             <a:extLst>
               <a:ext uri="{91240B29-F687-4f45-9708-019B960494DF}">
-                <a14:hiddenLine xmlns:a14="http://schemas.microsoft.com/office/drawing/2010/main" xmlns="" w="9525">
+                <a14:hiddenLine xmlns="" xmlns:a14="http://schemas.microsoft.com/office/drawing/2010/main" w="9525">
                   <a:solidFill>
                     <a:srgbClr val="000000"/>
                   </a:solidFill>
@@ -1603,7 +1612,7 @@
             </a:ln>
             <a:extLst>
               <a:ext uri="{91240B29-F687-4f45-9708-019B960494DF}">
-                <a14:hiddenLine xmlns:a14="http://schemas.microsoft.com/office/drawing/2010/main" xmlns="" w="9525">
+                <a14:hiddenLine xmlns="" xmlns:a14="http://schemas.microsoft.com/office/drawing/2010/main" w="9525">
                   <a:solidFill>
                     <a:srgbClr val="000000"/>
                   </a:solidFill>
@@ -1665,7 +1674,7 @@
             </a:ln>
             <a:extLst>
               <a:ext uri="{91240B29-F687-4f45-9708-019B960494DF}">
-                <a14:hiddenLine xmlns:a14="http://schemas.microsoft.com/office/drawing/2010/main" xmlns="" w="9525">
+                <a14:hiddenLine xmlns="" xmlns:a14="http://schemas.microsoft.com/office/drawing/2010/main" w="9525">
                   <a:solidFill>
                     <a:srgbClr val="000000"/>
                   </a:solidFill>
@@ -1727,7 +1736,7 @@
             </a:ln>
             <a:extLst>
               <a:ext uri="{91240B29-F687-4f45-9708-019B960494DF}">
-                <a14:hiddenLine xmlns:a14="http://schemas.microsoft.com/office/drawing/2010/main" xmlns="" w="9525">
+                <a14:hiddenLine xmlns="" xmlns:a14="http://schemas.microsoft.com/office/drawing/2010/main" w="9525">
                   <a:solidFill>
                     <a:srgbClr val="000000"/>
                   </a:solidFill>
@@ -1817,7 +1826,7 @@
             </a:ln>
             <a:extLst>
               <a:ext uri="{91240B29-F687-4f45-9708-019B960494DF}">
-                <a14:hiddenLine xmlns:a14="http://schemas.microsoft.com/office/drawing/2010/main" xmlns="" w="9525">
+                <a14:hiddenLine xmlns="" xmlns:a14="http://schemas.microsoft.com/office/drawing/2010/main" w="9525">
                   <a:solidFill>
                     <a:srgbClr val="000000"/>
                   </a:solidFill>
@@ -1907,7 +1916,7 @@
             </a:ln>
             <a:extLst>
               <a:ext uri="{91240B29-F687-4f45-9708-019B960494DF}">
-                <a14:hiddenLine xmlns:a14="http://schemas.microsoft.com/office/drawing/2010/main" xmlns="" w="9525">
+                <a14:hiddenLine xmlns="" xmlns:a14="http://schemas.microsoft.com/office/drawing/2010/main" w="9525">
                   <a:solidFill>
                     <a:srgbClr val="000000"/>
                   </a:solidFill>
@@ -1969,7 +1978,7 @@
             </a:ln>
             <a:extLst>
               <a:ext uri="{91240B29-F687-4f45-9708-019B960494DF}">
-                <a14:hiddenLine xmlns:a14="http://schemas.microsoft.com/office/drawing/2010/main" xmlns="" w="9525">
+                <a14:hiddenLine xmlns="" xmlns:a14="http://schemas.microsoft.com/office/drawing/2010/main" w="9525">
                   <a:solidFill>
                     <a:srgbClr val="000000"/>
                   </a:solidFill>
@@ -2079,7 +2088,7 @@
             </a:ln>
             <a:extLst>
               <a:ext uri="{91240B29-F687-4f45-9708-019B960494DF}">
-                <a14:hiddenLine xmlns:a14="http://schemas.microsoft.com/office/drawing/2010/main" xmlns="" w="9525">
+                <a14:hiddenLine xmlns="" xmlns:a14="http://schemas.microsoft.com/office/drawing/2010/main" w="9525">
                   <a:solidFill>
                     <a:srgbClr val="000000"/>
                   </a:solidFill>
@@ -2141,7 +2150,7 @@
             </a:ln>
             <a:extLst>
               <a:ext uri="{91240B29-F687-4f45-9708-019B960494DF}">
-                <a14:hiddenLine xmlns:a14="http://schemas.microsoft.com/office/drawing/2010/main" xmlns="" w="9525">
+                <a14:hiddenLine xmlns="" xmlns:a14="http://schemas.microsoft.com/office/drawing/2010/main" w="9525">
                   <a:solidFill>
                     <a:srgbClr val="000000"/>
                   </a:solidFill>
@@ -2231,7 +2240,7 @@
             </a:ln>
             <a:extLst>
               <a:ext uri="{91240B29-F687-4f45-9708-019B960494DF}">
-                <a14:hiddenLine xmlns:a14="http://schemas.microsoft.com/office/drawing/2010/main" xmlns="" w="9525">
+                <a14:hiddenLine xmlns="" xmlns:a14="http://schemas.microsoft.com/office/drawing/2010/main" w="9525">
                   <a:solidFill>
                     <a:srgbClr val="000000"/>
                   </a:solidFill>
@@ -2321,7 +2330,7 @@
             </a:ln>
             <a:extLst>
               <a:ext uri="{91240B29-F687-4f45-9708-019B960494DF}">
-                <a14:hiddenLine xmlns:a14="http://schemas.microsoft.com/office/drawing/2010/main" xmlns="" w="9525">
+                <a14:hiddenLine xmlns="" xmlns:a14="http://schemas.microsoft.com/office/drawing/2010/main" w="9525">
                   <a:solidFill>
                     <a:srgbClr val="000000"/>
                   </a:solidFill>
@@ -2383,7 +2392,7 @@
             </a:ln>
             <a:extLst>
               <a:ext uri="{91240B29-F687-4f45-9708-019B960494DF}">
-                <a14:hiddenLine xmlns:a14="http://schemas.microsoft.com/office/drawing/2010/main" xmlns="" w="9525">
+                <a14:hiddenLine xmlns="" xmlns:a14="http://schemas.microsoft.com/office/drawing/2010/main" w="9525">
                   <a:solidFill>
                     <a:srgbClr val="000000"/>
                   </a:solidFill>
@@ -2473,7 +2482,7 @@
             </a:ln>
             <a:extLst>
               <a:ext uri="{91240B29-F687-4f45-9708-019B960494DF}">
-                <a14:hiddenLine xmlns:a14="http://schemas.microsoft.com/office/drawing/2010/main" xmlns="" w="9525">
+                <a14:hiddenLine xmlns="" xmlns:a14="http://schemas.microsoft.com/office/drawing/2010/main" w="9525">
                   <a:solidFill>
                     <a:srgbClr val="000000"/>
                   </a:solidFill>
@@ -2563,7 +2572,7 @@
             </a:ln>
             <a:extLst>
               <a:ext uri="{91240B29-F687-4f45-9708-019B960494DF}">
-                <a14:hiddenLine xmlns:a14="http://schemas.microsoft.com/office/drawing/2010/main" xmlns="" w="9525">
+                <a14:hiddenLine xmlns="" xmlns:a14="http://schemas.microsoft.com/office/drawing/2010/main" w="9525">
                   <a:solidFill>
                     <a:srgbClr val="000000"/>
                   </a:solidFill>
@@ -2619,7 +2628,7 @@
             </a:ln>
             <a:extLst>
               <a:ext uri="{91240B29-F687-4f45-9708-019B960494DF}">
-                <a14:hiddenLine xmlns:a14="http://schemas.microsoft.com/office/drawing/2010/main" xmlns="" w="9525">
+                <a14:hiddenLine xmlns="" xmlns:a14="http://schemas.microsoft.com/office/drawing/2010/main" w="9525">
                   <a:solidFill>
                     <a:srgbClr val="000000"/>
                   </a:solidFill>
@@ -2709,7 +2718,7 @@
             </a:ln>
             <a:extLst>
               <a:ext uri="{91240B29-F687-4f45-9708-019B960494DF}">
-                <a14:hiddenLine xmlns:a14="http://schemas.microsoft.com/office/drawing/2010/main" xmlns="" w="9525">
+                <a14:hiddenLine xmlns="" xmlns:a14="http://schemas.microsoft.com/office/drawing/2010/main" w="9525">
                   <a:solidFill>
                     <a:srgbClr val="000000"/>
                   </a:solidFill>
@@ -2765,7 +2774,7 @@
             </a:ln>
             <a:extLst>
               <a:ext uri="{91240B29-F687-4f45-9708-019B960494DF}">
-                <a14:hiddenLine xmlns:a14="http://schemas.microsoft.com/office/drawing/2010/main" xmlns="" w="9525">
+                <a14:hiddenLine xmlns="" xmlns:a14="http://schemas.microsoft.com/office/drawing/2010/main" w="9525">
                   <a:solidFill>
                     <a:srgbClr val="000000"/>
                   </a:solidFill>
@@ -2855,7 +2864,7 @@
             </a:ln>
             <a:extLst>
               <a:ext uri="{91240B29-F687-4f45-9708-019B960494DF}">
-                <a14:hiddenLine xmlns:a14="http://schemas.microsoft.com/office/drawing/2010/main" xmlns="" w="9525">
+                <a14:hiddenLine xmlns="" xmlns:a14="http://schemas.microsoft.com/office/drawing/2010/main" w="9525">
                   <a:solidFill>
                     <a:srgbClr val="000000"/>
                   </a:solidFill>
@@ -2923,7 +2932,7 @@
             </a:ln>
             <a:extLst>
               <a:ext uri="{91240B29-F687-4f45-9708-019B960494DF}">
-                <a14:hiddenLine xmlns:a14="http://schemas.microsoft.com/office/drawing/2010/main" xmlns="" w="9525">
+                <a14:hiddenLine xmlns="" xmlns:a14="http://schemas.microsoft.com/office/drawing/2010/main" w="9525">
                   <a:solidFill>
                     <a:srgbClr val="000000"/>
                   </a:solidFill>
@@ -3013,7 +3022,7 @@
             </a:ln>
             <a:extLst>
               <a:ext uri="{91240B29-F687-4f45-9708-019B960494DF}">
-                <a14:hiddenLine xmlns:a14="http://schemas.microsoft.com/office/drawing/2010/main" xmlns="" w="9525">
+                <a14:hiddenLine xmlns="" xmlns:a14="http://schemas.microsoft.com/office/drawing/2010/main" w="9525">
                   <a:solidFill>
                     <a:srgbClr val="000000"/>
                   </a:solidFill>
@@ -3081,7 +3090,7 @@
             </a:ln>
             <a:extLst>
               <a:ext uri="{91240B29-F687-4f45-9708-019B960494DF}">
-                <a14:hiddenLine xmlns:a14="http://schemas.microsoft.com/office/drawing/2010/main" xmlns="" w="9525">
+                <a14:hiddenLine xmlns="" xmlns:a14="http://schemas.microsoft.com/office/drawing/2010/main" w="9525">
                   <a:solidFill>
                     <a:srgbClr val="000000"/>
                   </a:solidFill>
@@ -3171,7 +3180,7 @@
             </a:ln>
             <a:extLst>
               <a:ext uri="{91240B29-F687-4f45-9708-019B960494DF}">
-                <a14:hiddenLine xmlns:a14="http://schemas.microsoft.com/office/drawing/2010/main" xmlns="" w="9525">
+                <a14:hiddenLine xmlns="" xmlns:a14="http://schemas.microsoft.com/office/drawing/2010/main" w="9525">
                   <a:solidFill>
                     <a:srgbClr val="000000"/>
                   </a:solidFill>
@@ -3205,7 +3214,7 @@
             </a:ln>
             <a:extLst>
               <a:ext uri="{91240B29-F687-4f45-9708-019B960494DF}">
-                <a14:hiddenLine xmlns:a14="http://schemas.microsoft.com/office/drawing/2010/main" xmlns="" w="9525">
+                <a14:hiddenLine xmlns="" xmlns:a14="http://schemas.microsoft.com/office/drawing/2010/main" w="9525">
                   <a:solidFill>
                     <a:srgbClr val="000000"/>
                   </a:solidFill>
@@ -3295,7 +3304,7 @@
             </a:ln>
             <a:extLst>
               <a:ext uri="{91240B29-F687-4f45-9708-019B960494DF}">
-                <a14:hiddenLine xmlns:a14="http://schemas.microsoft.com/office/drawing/2010/main" xmlns="" w="9525">
+                <a14:hiddenLine xmlns="" xmlns:a14="http://schemas.microsoft.com/office/drawing/2010/main" w="9525">
                   <a:solidFill>
                     <a:srgbClr val="000000"/>
                   </a:solidFill>
@@ -3357,7 +3366,7 @@
             </a:ln>
             <a:extLst>
               <a:ext uri="{91240B29-F687-4f45-9708-019B960494DF}">
-                <a14:hiddenLine xmlns:a14="http://schemas.microsoft.com/office/drawing/2010/main" xmlns="" w="9525">
+                <a14:hiddenLine xmlns="" xmlns:a14="http://schemas.microsoft.com/office/drawing/2010/main" w="9525">
                   <a:solidFill>
                     <a:srgbClr val="000000"/>
                   </a:solidFill>
@@ -3419,7 +3428,7 @@
             </a:ln>
             <a:extLst>
               <a:ext uri="{91240B29-F687-4f45-9708-019B960494DF}">
-                <a14:hiddenLine xmlns:a14="http://schemas.microsoft.com/office/drawing/2010/main" xmlns="" w="9525">
+                <a14:hiddenLine xmlns="" xmlns:a14="http://schemas.microsoft.com/office/drawing/2010/main" w="9525">
                   <a:solidFill>
                     <a:srgbClr val="000000"/>
                   </a:solidFill>
@@ -3509,7 +3518,7 @@
             </a:ln>
             <a:extLst>
               <a:ext uri="{91240B29-F687-4f45-9708-019B960494DF}">
-                <a14:hiddenLine xmlns:a14="http://schemas.microsoft.com/office/drawing/2010/main" xmlns="" w="9525">
+                <a14:hiddenLine xmlns="" xmlns:a14="http://schemas.microsoft.com/office/drawing/2010/main" w="9525">
                   <a:solidFill>
                     <a:srgbClr val="000000"/>
                   </a:solidFill>
@@ -3577,7 +3586,7 @@
             </a:ln>
             <a:extLst>
               <a:ext uri="{91240B29-F687-4f45-9708-019B960494DF}">
-                <a14:hiddenLine xmlns:a14="http://schemas.microsoft.com/office/drawing/2010/main" xmlns="" w="9525">
+                <a14:hiddenLine xmlns="" xmlns:a14="http://schemas.microsoft.com/office/drawing/2010/main" w="9525">
                   <a:solidFill>
                     <a:srgbClr val="000000"/>
                   </a:solidFill>
@@ -3639,7 +3648,7 @@
             </a:ln>
             <a:extLst>
               <a:ext uri="{91240B29-F687-4f45-9708-019B960494DF}">
-                <a14:hiddenLine xmlns:a14="http://schemas.microsoft.com/office/drawing/2010/main" xmlns="" w="9525">
+                <a14:hiddenLine xmlns="" xmlns:a14="http://schemas.microsoft.com/office/drawing/2010/main" w="9525">
                   <a:solidFill>
                     <a:srgbClr val="000000"/>
                   </a:solidFill>
@@ -3729,7 +3738,7 @@
             </a:ln>
             <a:extLst>
               <a:ext uri="{91240B29-F687-4f45-9708-019B960494DF}">
-                <a14:hiddenLine xmlns:a14="http://schemas.microsoft.com/office/drawing/2010/main" xmlns="" w="9525">
+                <a14:hiddenLine xmlns="" xmlns:a14="http://schemas.microsoft.com/office/drawing/2010/main" w="9525">
                   <a:solidFill>
                     <a:srgbClr val="000000"/>
                   </a:solidFill>
@@ -3791,7 +3800,7 @@
             </a:ln>
             <a:extLst>
               <a:ext uri="{91240B29-F687-4f45-9708-019B960494DF}">
-                <a14:hiddenLine xmlns:a14="http://schemas.microsoft.com/office/drawing/2010/main" xmlns="" w="9525">
+                <a14:hiddenLine xmlns="" xmlns:a14="http://schemas.microsoft.com/office/drawing/2010/main" w="9525">
                   <a:solidFill>
                     <a:srgbClr val="000000"/>
                   </a:solidFill>
@@ -3881,7 +3890,7 @@
             </a:ln>
             <a:extLst>
               <a:ext uri="{91240B29-F687-4f45-9708-019B960494DF}">
-                <a14:hiddenLine xmlns:a14="http://schemas.microsoft.com/office/drawing/2010/main" xmlns="" w="9525">
+                <a14:hiddenLine xmlns="" xmlns:a14="http://schemas.microsoft.com/office/drawing/2010/main" w="9525">
                   <a:solidFill>
                     <a:srgbClr val="000000"/>
                   </a:solidFill>
@@ -3943,7 +3952,7 @@
             </a:ln>
             <a:extLst>
               <a:ext uri="{91240B29-F687-4f45-9708-019B960494DF}">
-                <a14:hiddenLine xmlns:a14="http://schemas.microsoft.com/office/drawing/2010/main" xmlns="" w="9525">
+                <a14:hiddenLine xmlns="" xmlns:a14="http://schemas.microsoft.com/office/drawing/2010/main" w="9525">
                   <a:solidFill>
                     <a:srgbClr val="000000"/>
                   </a:solidFill>
@@ -4033,7 +4042,7 @@
             </a:ln>
             <a:extLst>
               <a:ext uri="{91240B29-F687-4f45-9708-019B960494DF}">
-                <a14:hiddenLine xmlns:a14="http://schemas.microsoft.com/office/drawing/2010/main" xmlns="" w="9525">
+                <a14:hiddenLine xmlns="" xmlns:a14="http://schemas.microsoft.com/office/drawing/2010/main" w="9525">
                   <a:solidFill>
                     <a:srgbClr val="000000"/>
                   </a:solidFill>
@@ -4067,7 +4076,7 @@
             </a:ln>
             <a:extLst>
               <a:ext uri="{91240B29-F687-4f45-9708-019B960494DF}">
-                <a14:hiddenLine xmlns:a14="http://schemas.microsoft.com/office/drawing/2010/main" xmlns="" w="9525">
+                <a14:hiddenLine xmlns="" xmlns:a14="http://schemas.microsoft.com/office/drawing/2010/main" w="9525">
                   <a:solidFill>
                     <a:srgbClr val="000000"/>
                   </a:solidFill>
@@ -4132,7 +4141,7 @@
             </a:ln>
             <a:extLst>
               <a:ext uri="{91240B29-F687-4f45-9708-019B960494DF}">
-                <a14:hiddenLine xmlns:a14="http://schemas.microsoft.com/office/drawing/2010/main" xmlns="" w="9525">
+                <a14:hiddenLine xmlns="" xmlns:a14="http://schemas.microsoft.com/office/drawing/2010/main" w="9525">
                   <a:solidFill>
                     <a:srgbClr val="000000"/>
                   </a:solidFill>
@@ -4222,7 +4231,7 @@
             </a:ln>
             <a:extLst>
               <a:ext uri="{91240B29-F687-4f45-9708-019B960494DF}">
-                <a14:hiddenLine xmlns:a14="http://schemas.microsoft.com/office/drawing/2010/main" xmlns="" w="9525">
+                <a14:hiddenLine xmlns="" xmlns:a14="http://schemas.microsoft.com/office/drawing/2010/main" w="9525">
                   <a:solidFill>
                     <a:srgbClr val="000000"/>
                   </a:solidFill>
@@ -4284,7 +4293,7 @@
             </a:ln>
             <a:extLst>
               <a:ext uri="{91240B29-F687-4f45-9708-019B960494DF}">
-                <a14:hiddenLine xmlns:a14="http://schemas.microsoft.com/office/drawing/2010/main" xmlns="" w="9525">
+                <a14:hiddenLine xmlns="" xmlns:a14="http://schemas.microsoft.com/office/drawing/2010/main" w="9525">
                   <a:solidFill>
                     <a:srgbClr val="000000"/>
                   </a:solidFill>
@@ -4374,7 +4383,7 @@
             </a:ln>
             <a:extLst>
               <a:ext uri="{91240B29-F687-4f45-9708-019B960494DF}">
-                <a14:hiddenLine xmlns:a14="http://schemas.microsoft.com/office/drawing/2010/main" xmlns="" w="9525">
+                <a14:hiddenLine xmlns="" xmlns:a14="http://schemas.microsoft.com/office/drawing/2010/main" w="9525">
                   <a:solidFill>
                     <a:srgbClr val="000000"/>
                   </a:solidFill>
@@ -4464,7 +4473,7 @@
             </a:ln>
             <a:extLst>
               <a:ext uri="{91240B29-F687-4f45-9708-019B960494DF}">
-                <a14:hiddenLine xmlns:a14="http://schemas.microsoft.com/office/drawing/2010/main" xmlns="" w="9525">
+                <a14:hiddenLine xmlns="" xmlns:a14="http://schemas.microsoft.com/office/drawing/2010/main" w="9525">
                   <a:solidFill>
                     <a:srgbClr val="000000"/>
                   </a:solidFill>
@@ -4529,7 +4538,7 @@
             </a:ln>
             <a:extLst>
               <a:ext uri="{91240B29-F687-4f45-9708-019B960494DF}">
-                <a14:hiddenLine xmlns:a14="http://schemas.microsoft.com/office/drawing/2010/main" xmlns="" w="9525">
+                <a14:hiddenLine xmlns="" xmlns:a14="http://schemas.microsoft.com/office/drawing/2010/main" w="9525">
                   <a:solidFill>
                     <a:srgbClr val="000000"/>
                   </a:solidFill>
@@ -4591,7 +4600,7 @@
             </a:ln>
             <a:extLst>
               <a:ext uri="{91240B29-F687-4f45-9708-019B960494DF}">
-                <a14:hiddenLine xmlns:a14="http://schemas.microsoft.com/office/drawing/2010/main" xmlns="" w="9525">
+                <a14:hiddenLine xmlns="" xmlns:a14="http://schemas.microsoft.com/office/drawing/2010/main" w="9525">
                   <a:solidFill>
                     <a:srgbClr val="000000"/>
                   </a:solidFill>
@@ -4681,7 +4690,7 @@
             </a:ln>
             <a:extLst>
               <a:ext uri="{91240B29-F687-4f45-9708-019B960494DF}">
-                <a14:hiddenLine xmlns:a14="http://schemas.microsoft.com/office/drawing/2010/main" xmlns="" w="9525">
+                <a14:hiddenLine xmlns="" xmlns:a14="http://schemas.microsoft.com/office/drawing/2010/main" w="9525">
                   <a:solidFill>
                     <a:srgbClr val="000000"/>
                   </a:solidFill>
@@ -4771,7 +4780,7 @@
             </a:ln>
             <a:extLst>
               <a:ext uri="{91240B29-F687-4f45-9708-019B960494DF}">
-                <a14:hiddenLine xmlns:a14="http://schemas.microsoft.com/office/drawing/2010/main" xmlns="" w="9525">
+                <a14:hiddenLine xmlns="" xmlns:a14="http://schemas.microsoft.com/office/drawing/2010/main" w="9525">
                   <a:solidFill>
                     <a:srgbClr val="000000"/>
                   </a:solidFill>
@@ -4833,7 +4842,7 @@
             </a:ln>
             <a:extLst>
               <a:ext uri="{91240B29-F687-4f45-9708-019B960494DF}">
-                <a14:hiddenLine xmlns:a14="http://schemas.microsoft.com/office/drawing/2010/main" xmlns="" w="9525">
+                <a14:hiddenLine xmlns="" xmlns:a14="http://schemas.microsoft.com/office/drawing/2010/main" w="9525">
                   <a:solidFill>
                     <a:srgbClr val="000000"/>
                   </a:solidFill>
@@ -4953,7 +4962,7 @@
             </a:ln>
             <a:extLst>
               <a:ext uri="{91240B29-F687-4f45-9708-019B960494DF}">
-                <a14:hiddenLine xmlns:a14="http://schemas.microsoft.com/office/drawing/2010/main" xmlns="" w="9525">
+                <a14:hiddenLine xmlns="" xmlns:a14="http://schemas.microsoft.com/office/drawing/2010/main" w="9525">
                   <a:solidFill>
                     <a:srgbClr val="000000"/>
                   </a:solidFill>
@@ -5021,7 +5030,7 @@
             </a:ln>
             <a:extLst>
               <a:ext uri="{91240B29-F687-4f45-9708-019B960494DF}">
-                <a14:hiddenLine xmlns:a14="http://schemas.microsoft.com/office/drawing/2010/main" xmlns="" w="9525">
+                <a14:hiddenLine xmlns="" xmlns:a14="http://schemas.microsoft.com/office/drawing/2010/main" w="9525">
                   <a:solidFill>
                     <a:srgbClr val="000000"/>
                   </a:solidFill>
@@ -5111,7 +5120,7 @@
             </a:ln>
             <a:extLst>
               <a:ext uri="{91240B29-F687-4f45-9708-019B960494DF}">
-                <a14:hiddenLine xmlns:a14="http://schemas.microsoft.com/office/drawing/2010/main" xmlns="" w="9525">
+                <a14:hiddenLine xmlns="" xmlns:a14="http://schemas.microsoft.com/office/drawing/2010/main" w="9525">
                   <a:solidFill>
                     <a:srgbClr val="000000"/>
                   </a:solidFill>
@@ -5251,7 +5260,7 @@
           <a:p>
             <a:fld id="{48A87A34-81AB-432B-8DAE-1953F412C126}" type="datetimeFigureOut">
               <a:rPr lang="en-US" dirty="0"/>
-              <a:t>9/12/2017</a:t>
+              <a:t>9/16/2017</a:t>
             </a:fld>
             <a:endParaRPr lang="en-US" dirty="0"/>
           </a:p>
@@ -5513,7 +5522,7 @@
           <a:p>
             <a:fld id="{48A87A34-81AB-432B-8DAE-1953F412C126}" type="datetimeFigureOut">
               <a:rPr lang="en-US" dirty="0"/>
-              <a:t>9/12/2017</a:t>
+              <a:t>9/16/2017</a:t>
             </a:fld>
             <a:endParaRPr lang="en-US" dirty="0"/>
           </a:p>
@@ -5704,7 +5713,7 @@
           <a:p>
             <a:fld id="{48A87A34-81AB-432B-8DAE-1953F412C126}" type="datetimeFigureOut">
               <a:rPr lang="en-US" dirty="0"/>
-              <a:t>9/12/2017</a:t>
+              <a:t>9/16/2017</a:t>
             </a:fld>
             <a:endParaRPr lang="en-US" dirty="0"/>
           </a:p>
@@ -5962,7 +5971,7 @@
           <a:p>
             <a:fld id="{48A87A34-81AB-432B-8DAE-1953F412C126}" type="datetimeFigureOut">
               <a:rPr lang="en-US" dirty="0"/>
-              <a:t>9/12/2017</a:t>
+              <a:t>9/16/2017</a:t>
             </a:fld>
             <a:endParaRPr lang="en-US" dirty="0"/>
           </a:p>
@@ -6391,7 +6400,7 @@
           <a:p>
             <a:fld id="{48A87A34-81AB-432B-8DAE-1953F412C126}" type="datetimeFigureOut">
               <a:rPr lang="en-US" dirty="0"/>
-              <a:t>9/12/2017</a:t>
+              <a:t>9/16/2017</a:t>
             </a:fld>
             <a:endParaRPr lang="en-US" dirty="0"/>
           </a:p>
@@ -6932,7 +6941,7 @@
           <a:p>
             <a:fld id="{48A87A34-81AB-432B-8DAE-1953F412C126}" type="datetimeFigureOut">
               <a:rPr lang="en-US" dirty="0"/>
-              <a:t>9/12/2017</a:t>
+              <a:t>9/16/2017</a:t>
             </a:fld>
             <a:endParaRPr lang="en-US" dirty="0"/>
           </a:p>
@@ -7647,7 +7656,7 @@
           <a:p>
             <a:fld id="{48A87A34-81AB-432B-8DAE-1953F412C126}" type="datetimeFigureOut">
               <a:rPr lang="en-US" dirty="0"/>
-              <a:t>9/12/2017</a:t>
+              <a:t>9/16/2017</a:t>
             </a:fld>
             <a:endParaRPr lang="en-US" dirty="0"/>
           </a:p>
@@ -7812,7 +7821,7 @@
           <a:p>
             <a:fld id="{48A87A34-81AB-432B-8DAE-1953F412C126}" type="datetimeFigureOut">
               <a:rPr lang="en-US" dirty="0"/>
-              <a:t>9/12/2017</a:t>
+              <a:t>9/16/2017</a:t>
             </a:fld>
             <a:endParaRPr lang="en-US" dirty="0"/>
           </a:p>
@@ -7987,7 +7996,7 @@
           <a:p>
             <a:fld id="{48A87A34-81AB-432B-8DAE-1953F412C126}" type="datetimeFigureOut">
               <a:rPr lang="en-US" dirty="0"/>
-              <a:t>9/12/2017</a:t>
+              <a:t>9/16/2017</a:t>
             </a:fld>
             <a:endParaRPr lang="en-US" dirty="0"/>
           </a:p>
@@ -8152,7 +8161,7 @@
           <a:p>
             <a:fld id="{48A87A34-81AB-432B-8DAE-1953F412C126}" type="datetimeFigureOut">
               <a:rPr lang="en-US" dirty="0"/>
-              <a:t>9/12/2017</a:t>
+              <a:t>9/16/2017</a:t>
             </a:fld>
             <a:endParaRPr lang="en-US" dirty="0"/>
           </a:p>
@@ -8397,7 +8406,7 @@
           <a:p>
             <a:fld id="{48A87A34-81AB-432B-8DAE-1953F412C126}" type="datetimeFigureOut">
               <a:rPr lang="en-US" dirty="0"/>
-              <a:t>9/12/2017</a:t>
+              <a:t>9/16/2017</a:t>
             </a:fld>
             <a:endParaRPr lang="en-US" dirty="0"/>
           </a:p>
@@ -8624,7 +8633,7 @@
           <a:p>
             <a:fld id="{48A87A34-81AB-432B-8DAE-1953F412C126}" type="datetimeFigureOut">
               <a:rPr lang="en-US" dirty="0"/>
-              <a:t>9/12/2017</a:t>
+              <a:t>9/16/2017</a:t>
             </a:fld>
             <a:endParaRPr lang="en-US" dirty="0"/>
           </a:p>
@@ -9000,7 +9009,7 @@
           <a:p>
             <a:fld id="{48A87A34-81AB-432B-8DAE-1953F412C126}" type="datetimeFigureOut">
               <a:rPr lang="en-US" dirty="0"/>
-              <a:t>9/12/2017</a:t>
+              <a:t>9/16/2017</a:t>
             </a:fld>
             <a:endParaRPr lang="en-US" dirty="0"/>
           </a:p>
@@ -9113,7 +9122,7 @@
           <a:p>
             <a:fld id="{48A87A34-81AB-432B-8DAE-1953F412C126}" type="datetimeFigureOut">
               <a:rPr lang="en-US" dirty="0"/>
-              <a:t>9/12/2017</a:t>
+              <a:t>9/16/2017</a:t>
             </a:fld>
             <a:endParaRPr lang="en-US" dirty="0"/>
           </a:p>
@@ -9203,7 +9212,7 @@
           <a:p>
             <a:fld id="{48A87A34-81AB-432B-8DAE-1953F412C126}" type="datetimeFigureOut">
               <a:rPr lang="en-US" dirty="0"/>
-              <a:t>9/12/2017</a:t>
+              <a:t>9/16/2017</a:t>
             </a:fld>
             <a:endParaRPr lang="en-US" dirty="0"/>
           </a:p>
@@ -9447,7 +9456,7 @@
           <a:p>
             <a:fld id="{48A87A34-81AB-432B-8DAE-1953F412C126}" type="datetimeFigureOut">
               <a:rPr lang="en-US" dirty="0"/>
-              <a:t>9/12/2017</a:t>
+              <a:t>9/16/2017</a:t>
             </a:fld>
             <a:endParaRPr lang="en-US" dirty="0"/>
           </a:p>
@@ -9722,7 +9731,7 @@
           <a:p>
             <a:fld id="{48A87A34-81AB-432B-8DAE-1953F412C126}" type="datetimeFigureOut">
               <a:rPr lang="en-US" dirty="0"/>
-              <a:t>9/12/2017</a:t>
+              <a:t>9/16/2017</a:t>
             </a:fld>
             <a:endParaRPr lang="en-US" dirty="0"/>
           </a:p>
@@ -9840,7 +9849,7 @@
           <a:noFill/>
           <a:extLst>
             <a:ext uri="{909E8E84-426E-40dd-AFC4-6F175D3DCCD1}">
-              <a14:hiddenFill xmlns:a14="http://schemas.microsoft.com/office/drawing/2010/main" xmlns="">
+              <a14:hiddenFill xmlns="" xmlns:a14="http://schemas.microsoft.com/office/drawing/2010/main">
                 <a:solidFill>
                   <a:srgbClr val="FFFFFF"/>
                 </a:solidFill>
@@ -9914,7 +9923,7 @@
               </a:ln>
               <a:extLst>
                 <a:ext uri="{91240B29-F687-4f45-9708-019B960494DF}">
-                  <a14:hiddenLine xmlns:a14="http://schemas.microsoft.com/office/drawing/2010/main" xmlns="" w="9525">
+                  <a14:hiddenLine xmlns="" xmlns:a14="http://schemas.microsoft.com/office/drawing/2010/main" w="9525">
                     <a:solidFill>
                       <a:srgbClr val="000000"/>
                     </a:solidFill>
@@ -10004,7 +10013,7 @@
               </a:ln>
               <a:extLst>
                 <a:ext uri="{91240B29-F687-4f45-9708-019B960494DF}">
-                  <a14:hiddenLine xmlns:a14="http://schemas.microsoft.com/office/drawing/2010/main" xmlns="" w="9525">
+                  <a14:hiddenLine xmlns="" xmlns:a14="http://schemas.microsoft.com/office/drawing/2010/main" w="9525">
                     <a:solidFill>
                       <a:srgbClr val="000000"/>
                     </a:solidFill>
@@ -10094,7 +10103,7 @@
               </a:ln>
               <a:extLst>
                 <a:ext uri="{91240B29-F687-4f45-9708-019B960494DF}">
-                  <a14:hiddenLine xmlns:a14="http://schemas.microsoft.com/office/drawing/2010/main" xmlns="" w="9525">
+                  <a14:hiddenLine xmlns="" xmlns:a14="http://schemas.microsoft.com/office/drawing/2010/main" w="9525">
                     <a:solidFill>
                       <a:srgbClr val="000000"/>
                     </a:solidFill>
@@ -10156,7 +10165,7 @@
               </a:ln>
               <a:extLst>
                 <a:ext uri="{91240B29-F687-4f45-9708-019B960494DF}">
-                  <a14:hiddenLine xmlns:a14="http://schemas.microsoft.com/office/drawing/2010/main" xmlns="" w="9525">
+                  <a14:hiddenLine xmlns="" xmlns:a14="http://schemas.microsoft.com/office/drawing/2010/main" w="9525">
                     <a:solidFill>
                       <a:srgbClr val="000000"/>
                     </a:solidFill>
@@ -10246,7 +10255,7 @@
               </a:ln>
               <a:extLst>
                 <a:ext uri="{91240B29-F687-4f45-9708-019B960494DF}">
-                  <a14:hiddenLine xmlns:a14="http://schemas.microsoft.com/office/drawing/2010/main" xmlns="" w="9525">
+                  <a14:hiddenLine xmlns="" xmlns:a14="http://schemas.microsoft.com/office/drawing/2010/main" w="9525">
                     <a:solidFill>
                       <a:srgbClr val="000000"/>
                     </a:solidFill>
@@ -10308,7 +10317,7 @@
               </a:ln>
               <a:extLst>
                 <a:ext uri="{91240B29-F687-4f45-9708-019B960494DF}">
-                  <a14:hiddenLine xmlns:a14="http://schemas.microsoft.com/office/drawing/2010/main" xmlns="" w="9525">
+                  <a14:hiddenLine xmlns="" xmlns:a14="http://schemas.microsoft.com/office/drawing/2010/main" w="9525">
                     <a:solidFill>
                       <a:srgbClr val="000000"/>
                     </a:solidFill>
@@ -10370,7 +10379,7 @@
               </a:ln>
               <a:extLst>
                 <a:ext uri="{91240B29-F687-4f45-9708-019B960494DF}">
-                  <a14:hiddenLine xmlns:a14="http://schemas.microsoft.com/office/drawing/2010/main" xmlns="" w="9525">
+                  <a14:hiddenLine xmlns="" xmlns:a14="http://schemas.microsoft.com/office/drawing/2010/main" w="9525">
                     <a:solidFill>
                       <a:srgbClr val="000000"/>
                     </a:solidFill>
@@ -10460,7 +10469,7 @@
               </a:ln>
               <a:extLst>
                 <a:ext uri="{91240B29-F687-4f45-9708-019B960494DF}">
-                  <a14:hiddenLine xmlns:a14="http://schemas.microsoft.com/office/drawing/2010/main" xmlns="" w="9525">
+                  <a14:hiddenLine xmlns="" xmlns:a14="http://schemas.microsoft.com/office/drawing/2010/main" w="9525">
                     <a:solidFill>
                       <a:srgbClr val="000000"/>
                     </a:solidFill>
@@ -10550,7 +10559,7 @@
               </a:ln>
               <a:extLst>
                 <a:ext uri="{91240B29-F687-4f45-9708-019B960494DF}">
-                  <a14:hiddenLine xmlns:a14="http://schemas.microsoft.com/office/drawing/2010/main" xmlns="" w="9525">
+                  <a14:hiddenLine xmlns="" xmlns:a14="http://schemas.microsoft.com/office/drawing/2010/main" w="9525">
                     <a:solidFill>
                       <a:srgbClr val="000000"/>
                     </a:solidFill>
@@ -10612,7 +10621,7 @@
               </a:ln>
               <a:extLst>
                 <a:ext uri="{91240B29-F687-4f45-9708-019B960494DF}">
-                  <a14:hiddenLine xmlns:a14="http://schemas.microsoft.com/office/drawing/2010/main" xmlns="" w="9525">
+                  <a14:hiddenLine xmlns="" xmlns:a14="http://schemas.microsoft.com/office/drawing/2010/main" w="9525">
                     <a:solidFill>
                       <a:srgbClr val="000000"/>
                     </a:solidFill>
@@ -10722,7 +10731,7 @@
               </a:ln>
               <a:extLst>
                 <a:ext uri="{91240B29-F687-4f45-9708-019B960494DF}">
-                  <a14:hiddenLine xmlns:a14="http://schemas.microsoft.com/office/drawing/2010/main" xmlns="" w="9525">
+                  <a14:hiddenLine xmlns="" xmlns:a14="http://schemas.microsoft.com/office/drawing/2010/main" w="9525">
                     <a:solidFill>
                       <a:srgbClr val="000000"/>
                     </a:solidFill>
@@ -10806,7 +10815,7 @@
               </a:ln>
               <a:extLst>
                 <a:ext uri="{91240B29-F687-4f45-9708-019B960494DF}">
-                  <a14:hiddenLine xmlns:a14="http://schemas.microsoft.com/office/drawing/2010/main" xmlns="" w="9525">
+                  <a14:hiddenLine xmlns="" xmlns:a14="http://schemas.microsoft.com/office/drawing/2010/main" w="9525">
                     <a:solidFill>
                       <a:srgbClr val="000000"/>
                     </a:solidFill>
@@ -10868,7 +10877,7 @@
               </a:ln>
               <a:extLst>
                 <a:ext uri="{91240B29-F687-4f45-9708-019B960494DF}">
-                  <a14:hiddenLine xmlns:a14="http://schemas.microsoft.com/office/drawing/2010/main" xmlns="" w="9525">
+                  <a14:hiddenLine xmlns="" xmlns:a14="http://schemas.microsoft.com/office/drawing/2010/main" w="9525">
                     <a:solidFill>
                       <a:srgbClr val="000000"/>
                     </a:solidFill>
@@ -10930,7 +10939,7 @@
               </a:ln>
               <a:extLst>
                 <a:ext uri="{91240B29-F687-4f45-9708-019B960494DF}">
-                  <a14:hiddenLine xmlns:a14="http://schemas.microsoft.com/office/drawing/2010/main" xmlns="" w="9525">
+                  <a14:hiddenLine xmlns="" xmlns:a14="http://schemas.microsoft.com/office/drawing/2010/main" w="9525">
                     <a:solidFill>
                       <a:srgbClr val="000000"/>
                     </a:solidFill>
@@ -11020,7 +11029,7 @@
               </a:ln>
               <a:extLst>
                 <a:ext uri="{91240B29-F687-4f45-9708-019B960494DF}">
-                  <a14:hiddenLine xmlns:a14="http://schemas.microsoft.com/office/drawing/2010/main" xmlns="" w="9525">
+                  <a14:hiddenLine xmlns="" xmlns:a14="http://schemas.microsoft.com/office/drawing/2010/main" w="9525">
                     <a:solidFill>
                       <a:srgbClr val="000000"/>
                     </a:solidFill>
@@ -11054,7 +11063,7 @@
               </a:ln>
               <a:extLst>
                 <a:ext uri="{91240B29-F687-4f45-9708-019B960494DF}">
-                  <a14:hiddenLine xmlns:a14="http://schemas.microsoft.com/office/drawing/2010/main" xmlns="" w="9525">
+                  <a14:hiddenLine xmlns="" xmlns:a14="http://schemas.microsoft.com/office/drawing/2010/main" w="9525">
                     <a:solidFill>
                       <a:srgbClr val="000000"/>
                     </a:solidFill>
@@ -11119,7 +11128,7 @@
               </a:ln>
               <a:extLst>
                 <a:ext uri="{91240B29-F687-4f45-9708-019B960494DF}">
-                  <a14:hiddenLine xmlns:a14="http://schemas.microsoft.com/office/drawing/2010/main" xmlns="" w="9525">
+                  <a14:hiddenLine xmlns="" xmlns:a14="http://schemas.microsoft.com/office/drawing/2010/main" w="9525">
                     <a:solidFill>
                       <a:srgbClr val="000000"/>
                     </a:solidFill>
@@ -11209,7 +11218,7 @@
               </a:ln>
               <a:extLst>
                 <a:ext uri="{91240B29-F687-4f45-9708-019B960494DF}">
-                  <a14:hiddenLine xmlns:a14="http://schemas.microsoft.com/office/drawing/2010/main" xmlns="" w="9525">
+                  <a14:hiddenLine xmlns="" xmlns:a14="http://schemas.microsoft.com/office/drawing/2010/main" w="9525">
                     <a:solidFill>
                       <a:srgbClr val="000000"/>
                     </a:solidFill>
@@ -11271,7 +11280,7 @@
               </a:ln>
               <a:extLst>
                 <a:ext uri="{91240B29-F687-4f45-9708-019B960494DF}">
-                  <a14:hiddenLine xmlns:a14="http://schemas.microsoft.com/office/drawing/2010/main" xmlns="" w="9525">
+                  <a14:hiddenLine xmlns="" xmlns:a14="http://schemas.microsoft.com/office/drawing/2010/main" w="9525">
                     <a:solidFill>
                       <a:srgbClr val="000000"/>
                     </a:solidFill>
@@ -11361,7 +11370,7 @@
               </a:ln>
               <a:extLst>
                 <a:ext uri="{91240B29-F687-4f45-9708-019B960494DF}">
-                  <a14:hiddenLine xmlns:a14="http://schemas.microsoft.com/office/drawing/2010/main" xmlns="" w="9525">
+                  <a14:hiddenLine xmlns="" xmlns:a14="http://schemas.microsoft.com/office/drawing/2010/main" w="9525">
                     <a:solidFill>
                       <a:srgbClr val="000000"/>
                     </a:solidFill>
@@ -11426,7 +11435,7 @@
               </a:ln>
               <a:extLst>
                 <a:ext uri="{91240B29-F687-4f45-9708-019B960494DF}">
-                  <a14:hiddenLine xmlns:a14="http://schemas.microsoft.com/office/drawing/2010/main" xmlns="" w="9525">
+                  <a14:hiddenLine xmlns="" xmlns:a14="http://schemas.microsoft.com/office/drawing/2010/main" w="9525">
                     <a:solidFill>
                       <a:srgbClr val="000000"/>
                     </a:solidFill>
@@ -11488,7 +11497,7 @@
               </a:ln>
               <a:extLst>
                 <a:ext uri="{91240B29-F687-4f45-9708-019B960494DF}">
-                  <a14:hiddenLine xmlns:a14="http://schemas.microsoft.com/office/drawing/2010/main" xmlns="" w="9525">
+                  <a14:hiddenLine xmlns="" xmlns:a14="http://schemas.microsoft.com/office/drawing/2010/main" w="9525">
                     <a:solidFill>
                       <a:srgbClr val="000000"/>
                     </a:solidFill>
@@ -11578,7 +11587,7 @@
               </a:ln>
               <a:extLst>
                 <a:ext uri="{91240B29-F687-4f45-9708-019B960494DF}">
-                  <a14:hiddenLine xmlns:a14="http://schemas.microsoft.com/office/drawing/2010/main" xmlns="" w="9525">
+                  <a14:hiddenLine xmlns="" xmlns:a14="http://schemas.microsoft.com/office/drawing/2010/main" w="9525">
                     <a:solidFill>
                       <a:srgbClr val="000000"/>
                     </a:solidFill>
@@ -11668,7 +11677,7 @@
               </a:ln>
               <a:extLst>
                 <a:ext uri="{91240B29-F687-4f45-9708-019B960494DF}">
-                  <a14:hiddenLine xmlns:a14="http://schemas.microsoft.com/office/drawing/2010/main" xmlns="" w="9525">
+                  <a14:hiddenLine xmlns="" xmlns:a14="http://schemas.microsoft.com/office/drawing/2010/main" w="9525">
                     <a:solidFill>
                       <a:srgbClr val="000000"/>
                     </a:solidFill>
@@ -11733,7 +11742,7 @@
               </a:ln>
               <a:extLst>
                 <a:ext uri="{91240B29-F687-4f45-9708-019B960494DF}">
-                  <a14:hiddenLine xmlns:a14="http://schemas.microsoft.com/office/drawing/2010/main" xmlns="" w="9525">
+                  <a14:hiddenLine xmlns="" xmlns:a14="http://schemas.microsoft.com/office/drawing/2010/main" w="9525">
                     <a:solidFill>
                       <a:srgbClr val="000000"/>
                     </a:solidFill>
@@ -11853,7 +11862,7 @@
               </a:ln>
               <a:extLst>
                 <a:ext uri="{91240B29-F687-4f45-9708-019B960494DF}">
-                  <a14:hiddenLine xmlns:a14="http://schemas.microsoft.com/office/drawing/2010/main" xmlns="" w="9525">
+                  <a14:hiddenLine xmlns="" xmlns:a14="http://schemas.microsoft.com/office/drawing/2010/main" w="9525">
                     <a:solidFill>
                       <a:srgbClr val="000000"/>
                     </a:solidFill>
@@ -11934,7 +11943,7 @@
               </a:ln>
               <a:extLst>
                 <a:ext uri="{91240B29-F687-4f45-9708-019B960494DF}">
-                  <a14:hiddenLine xmlns:a14="http://schemas.microsoft.com/office/drawing/2010/main" xmlns="" w="9525">
+                  <a14:hiddenLine xmlns="" xmlns:a14="http://schemas.microsoft.com/office/drawing/2010/main" w="9525">
                     <a:solidFill>
                       <a:srgbClr val="000000"/>
                     </a:solidFill>
@@ -12049,7 +12058,7 @@
               </a:ln>
               <a:extLst>
                 <a:ext uri="{91240B29-F687-4f45-9708-019B960494DF}">
-                  <a14:hiddenLine xmlns:a14="http://schemas.microsoft.com/office/drawing/2010/main" xmlns="" w="9525">
+                  <a14:hiddenLine xmlns="" xmlns:a14="http://schemas.microsoft.com/office/drawing/2010/main" w="9525">
                     <a:solidFill>
                       <a:srgbClr val="000000"/>
                     </a:solidFill>
@@ -12139,7 +12148,7 @@
               </a:ln>
               <a:extLst>
                 <a:ext uri="{91240B29-F687-4f45-9708-019B960494DF}">
-                  <a14:hiddenLine xmlns:a14="http://schemas.microsoft.com/office/drawing/2010/main" xmlns="" w="9525">
+                  <a14:hiddenLine xmlns="" xmlns:a14="http://schemas.microsoft.com/office/drawing/2010/main" w="9525">
                     <a:solidFill>
                       <a:srgbClr val="000000"/>
                     </a:solidFill>
@@ -12204,7 +12213,7 @@
               </a:ln>
               <a:extLst>
                 <a:ext uri="{91240B29-F687-4f45-9708-019B960494DF}">
-                  <a14:hiddenLine xmlns:a14="http://schemas.microsoft.com/office/drawing/2010/main" xmlns="" w="9525">
+                  <a14:hiddenLine xmlns="" xmlns:a14="http://schemas.microsoft.com/office/drawing/2010/main" w="9525">
                     <a:solidFill>
                       <a:srgbClr val="000000"/>
                     </a:solidFill>
@@ -12294,7 +12303,7 @@
               </a:ln>
               <a:extLst>
                 <a:ext uri="{91240B29-F687-4f45-9708-019B960494DF}">
-                  <a14:hiddenLine xmlns:a14="http://schemas.microsoft.com/office/drawing/2010/main" xmlns="" w="9525">
+                  <a14:hiddenLine xmlns="" xmlns:a14="http://schemas.microsoft.com/office/drawing/2010/main" w="9525">
                     <a:solidFill>
                       <a:srgbClr val="000000"/>
                     </a:solidFill>
@@ -12362,7 +12371,7 @@
               </a:ln>
               <a:extLst>
                 <a:ext uri="{91240B29-F687-4f45-9708-019B960494DF}">
-                  <a14:hiddenLine xmlns:a14="http://schemas.microsoft.com/office/drawing/2010/main" xmlns="" w="9525">
+                  <a14:hiddenLine xmlns="" xmlns:a14="http://schemas.microsoft.com/office/drawing/2010/main" w="9525">
                     <a:solidFill>
                       <a:srgbClr val="000000"/>
                     </a:solidFill>
@@ -12452,7 +12461,7 @@
               </a:ln>
               <a:extLst>
                 <a:ext uri="{91240B29-F687-4f45-9708-019B960494DF}">
-                  <a14:hiddenLine xmlns:a14="http://schemas.microsoft.com/office/drawing/2010/main" xmlns="" w="9525">
+                  <a14:hiddenLine xmlns="" xmlns:a14="http://schemas.microsoft.com/office/drawing/2010/main" w="9525">
                     <a:solidFill>
                       <a:srgbClr val="000000"/>
                     </a:solidFill>
@@ -12520,7 +12529,7 @@
               </a:ln>
               <a:extLst>
                 <a:ext uri="{91240B29-F687-4f45-9708-019B960494DF}">
-                  <a14:hiddenLine xmlns:a14="http://schemas.microsoft.com/office/drawing/2010/main" xmlns="" w="9525">
+                  <a14:hiddenLine xmlns="" xmlns:a14="http://schemas.microsoft.com/office/drawing/2010/main" w="9525">
                     <a:solidFill>
                       <a:srgbClr val="000000"/>
                     </a:solidFill>
@@ -12610,7 +12619,7 @@
               </a:ln>
               <a:extLst>
                 <a:ext uri="{91240B29-F687-4f45-9708-019B960494DF}">
-                  <a14:hiddenLine xmlns:a14="http://schemas.microsoft.com/office/drawing/2010/main" xmlns="" w="9525">
+                  <a14:hiddenLine xmlns="" xmlns:a14="http://schemas.microsoft.com/office/drawing/2010/main" w="9525">
                     <a:solidFill>
                       <a:srgbClr val="000000"/>
                     </a:solidFill>
@@ -12644,7 +12653,7 @@
               </a:ln>
               <a:extLst>
                 <a:ext uri="{91240B29-F687-4f45-9708-019B960494DF}">
-                  <a14:hiddenLine xmlns:a14="http://schemas.microsoft.com/office/drawing/2010/main" xmlns="" w="9525">
+                  <a14:hiddenLine xmlns="" xmlns:a14="http://schemas.microsoft.com/office/drawing/2010/main" w="9525">
                     <a:solidFill>
                       <a:srgbClr val="000000"/>
                     </a:solidFill>
@@ -12785,7 +12794,7 @@
             <a:fld id="{48A87A34-81AB-432B-8DAE-1953F412C126}" type="datetimeFigureOut">
               <a:rPr lang="en-US" dirty="0"/>
               <a:pPr/>
-              <a:t>9/12/2017</a:t>
+              <a:t>9/16/2017</a:t>
             </a:fld>
             <a:endParaRPr lang="en-US" dirty="0"/>
           </a:p>
@@ -13218,11 +13227,7 @@
           <a:p>
             <a:r>
               <a:rPr lang="nl-NL" dirty="0" smtClean="0"/>
-              <a:t>PowerShell </a:t>
-            </a:r>
-            <a:r>
-              <a:rPr lang="nl-NL" dirty="0" smtClean="0"/>
-              <a:t>– </a:t>
+              <a:t>PowerShell – </a:t>
             </a:r>
             <a:r>
               <a:rPr lang="nl-NL" dirty="0" err="1" smtClean="0"/>
@@ -13786,8 +13791,13 @@
           <a:p>
             <a:r>
               <a:rPr lang="en-US" dirty="0" smtClean="0"/>
-              <a:t>Increase readability</a:t>
-            </a:r>
+              <a:t>Increase </a:t>
+            </a:r>
+            <a:r>
+              <a:rPr lang="en-US" dirty="0" smtClean="0"/>
+              <a:t>usability</a:t>
+            </a:r>
+            <a:endParaRPr lang="en-US" dirty="0" smtClean="0"/>
           </a:p>
           <a:p>
             <a:r>

--- a/DuPSUG/DuPSUG - Beginners Part Deux/PowerShell - Improving Your Scripts/PowerShell – Improving your scripts.pptx
+++ b/DuPSUG/DuPSUG - Beginners Part Deux/PowerShell - Improving Your Scripts/PowerShell – Improving your scripts.pptx
@@ -202,7 +202,7 @@
           <a:p>
             <a:fld id="{9E24CE50-20D4-48DC-8252-256777BFBD18}" type="datetimeFigureOut">
               <a:rPr lang="en-US" smtClean="0"/>
-              <a:t>9/16/2017</a:t>
+              <a:t>9/19/2017</a:t>
             </a:fld>
             <a:endParaRPr lang="en-US"/>
           </a:p>
@@ -612,7 +612,19 @@
             </a:r>
             <a:r>
               <a:rPr lang="en-US" baseline="0" dirty="0" smtClean="0"/>
-              <a:t> through [</a:t>
+              <a:t> </a:t>
+            </a:r>
+            <a:r>
+              <a:rPr lang="en-US" baseline="0" dirty="0" smtClean="0"/>
+              <a:t>through </a:t>
+            </a:r>
+            <a:r>
+              <a:rPr lang="en-US" baseline="0" dirty="0" smtClean="0"/>
+              <a:t>Parameters</a:t>
+            </a:r>
+            <a:r>
+              <a:rPr lang="en-US" baseline="0" dirty="0" smtClean="0"/>
+              <a:t>, [</a:t>
             </a:r>
             <a:r>
               <a:rPr lang="en-US" baseline="0" dirty="0" err="1" smtClean="0"/>
@@ -620,17 +632,21 @@
             </a:r>
             <a:r>
               <a:rPr lang="en-US" baseline="0" dirty="0" smtClean="0"/>
-              <a:t>()] , Parameters, Script vs Tool [KISS]</a:t>
-            </a:r>
-          </a:p>
-          <a:p>
+              <a:t>()], Script </a:t>
+            </a:r>
             <a:r>
               <a:rPr lang="en-US" baseline="0" dirty="0" smtClean="0"/>
-              <a:t>usability for dev through </a:t>
-            </a:r>
+              <a:t>vs Tool [KISS]</a:t>
+            </a:r>
+          </a:p>
+          <a:p>
             <a:r>
               <a:rPr lang="en-US" baseline="0" dirty="0" smtClean="0"/>
-              <a:t>indentation, comments, regions [depending on editor]</a:t>
+              <a:t>Usability </a:t>
+            </a:r>
+            <a:r>
+              <a:rPr lang="en-US" baseline="0" dirty="0" smtClean="0"/>
+              <a:t>for dev through indentation, comments, regions [depending on editor]</a:t>
             </a:r>
           </a:p>
           <a:p>
@@ -641,6 +657,18 @@
             <a:r>
               <a:rPr lang="en-US" baseline="0" dirty="0" err="1" smtClean="0"/>
               <a:t>foreach</a:t>
+            </a:r>
+            <a:r>
+              <a:rPr lang="en-US" baseline="0" dirty="0" smtClean="0"/>
+              <a:t> vs </a:t>
+            </a:r>
+            <a:r>
+              <a:rPr lang="en-US" baseline="0" dirty="0" err="1" smtClean="0"/>
+              <a:t>Foreach</a:t>
+            </a:r>
+            <a:r>
+              <a:rPr lang="en-US" baseline="0" dirty="0" smtClean="0"/>
+              <a:t>-Object</a:t>
             </a:r>
             <a:endParaRPr lang="en-US" baseline="0" dirty="0" smtClean="0"/>
           </a:p>
@@ -837,37 +865,33 @@
           <a:p>
             <a:r>
               <a:rPr lang="en-US" baseline="0" dirty="0" smtClean="0"/>
-              <a:t>Secrets of PowerShell Remoting – powershell.org [by Don Jones and Dr. Tobias </a:t>
-            </a:r>
-            <a:r>
-              <a:rPr lang="en-US" baseline="0" dirty="0" err="1" smtClean="0"/>
-              <a:t>Weltner</a:t>
+              <a:t>Learn </a:t>
             </a:r>
             <a:r>
               <a:rPr lang="en-US" baseline="0" dirty="0" smtClean="0"/>
-              <a:t>]</a:t>
-            </a:r>
-          </a:p>
-          <a:p>
+              <a:t>Windows PowerShell in a Month of Lunches </a:t>
+            </a:r>
             <a:r>
               <a:rPr lang="en-US" baseline="0" dirty="0" smtClean="0"/>
-              <a:t>https://www.penflip.com/powershellorg/secrets-of-powershell-remoting</a:t>
-            </a:r>
-          </a:p>
-          <a:p>
+              <a:t>&amp; Toolmaking [By </a:t>
+            </a:r>
+            <a:r>
+              <a:rPr lang="en-US" baseline="0" dirty="0" smtClean="0"/>
+              <a:t>Don Jones and Jeffery Hicks]</a:t>
+            </a:r>
+          </a:p>
+          <a:p>
+            <a:r>
+              <a:rPr lang="en-US" baseline="0" dirty="0" smtClean="0"/>
+              <a:t>https://www.manning.com/books/learn-windows-powershell-in-a-month-of-lunches-third-edition</a:t>
+            </a:r>
+          </a:p>
+          <a:p>
+            <a:r>
+              <a:rPr lang="en-US" baseline="0" dirty="0" smtClean="0"/>
+              <a:t>https://www.manning.com/books/learn-powershell-toolmaking-in-a-month-of-lunches</a:t>
+            </a:r>
             <a:endParaRPr lang="en-US" baseline="0" dirty="0" smtClean="0"/>
-          </a:p>
-          <a:p>
-            <a:r>
-              <a:rPr lang="en-US" baseline="0" dirty="0" smtClean="0"/>
-              <a:t>Learn Windows PowerShell in a Month of Lunches – Second Edition [By Don Jones and Jeffery Hicks]</a:t>
-            </a:r>
-          </a:p>
-          <a:p>
-            <a:r>
-              <a:rPr lang="en-US" baseline="0" dirty="0" smtClean="0"/>
-              <a:t>https://www.manning.com/books/learn-windows-powershell-in-a-month-of-lunches-second-edition</a:t>
-            </a:r>
           </a:p>
           <a:p>
             <a:endParaRPr lang="en-US" baseline="0" dirty="0" smtClean="0"/>
@@ -881,13 +905,19 @@
           <a:p>
             <a:r>
               <a:rPr lang="en-US" dirty="0" smtClean="0"/>
-              <a:t>https://blogs.technet.microsoft.com/heyscriptingguy/2013/09/08/remoting-the-implicit-way/</a:t>
+              <a:t>https://blogs.technet.microsoft.com/heyscriptingguy/2014/05/17/weekend-scripter-best-practices-for-powershell-scripting-in-shared-environment/</a:t>
             </a:r>
           </a:p>
           <a:p>
             <a:r>
               <a:rPr lang="en-US" dirty="0" smtClean="0"/>
-              <a:t>https://blogs.technet.microsoft.com/heyscriptingguy/2014/03/31/introduction-to-powershell-endpoints/</a:t>
+              <a:t>https://blogs.technet.microsoft.com/heyscriptingguy/2014/05/18/weekend-scripter-powershell-speed-improvement-techniques/</a:t>
+            </a:r>
+          </a:p>
+          <a:p>
+            <a:r>
+              <a:rPr lang="en-US" dirty="0" smtClean="0"/>
+              <a:t>https://blogs.technet.microsoft.com/heyscriptingguy/2012/06/18/the-top-ten-powershell-best-practices-for-it-pros/</a:t>
             </a:r>
           </a:p>
           <a:p>
@@ -1035,7 +1065,7 @@
           <a:noFill/>
           <a:extLst>
             <a:ext uri="{909E8E84-426E-40dd-AFC4-6F175D3DCCD1}">
-              <a14:hiddenFill xmlns="" xmlns:a14="http://schemas.microsoft.com/office/drawing/2010/main">
+              <a14:hiddenFill xmlns:a14="http://schemas.microsoft.com/office/drawing/2010/main" xmlns="">
                 <a:solidFill>
                   <a:srgbClr val="FFFFFF"/>
                 </a:solidFill>
@@ -1094,7 +1124,7 @@
             </a:ln>
             <a:extLst>
               <a:ext uri="{91240B29-F687-4f45-9708-019B960494DF}">
-                <a14:hiddenLine xmlns="" xmlns:a14="http://schemas.microsoft.com/office/drawing/2010/main" w="9525">
+                <a14:hiddenLine xmlns:a14="http://schemas.microsoft.com/office/drawing/2010/main" xmlns="" w="9525">
                   <a:solidFill>
                     <a:srgbClr val="000000"/>
                   </a:solidFill>
@@ -1184,7 +1214,7 @@
             </a:ln>
             <a:extLst>
               <a:ext uri="{91240B29-F687-4f45-9708-019B960494DF}">
-                <a14:hiddenLine xmlns="" xmlns:a14="http://schemas.microsoft.com/office/drawing/2010/main" w="9525">
+                <a14:hiddenLine xmlns:a14="http://schemas.microsoft.com/office/drawing/2010/main" xmlns="" w="9525">
                   <a:solidFill>
                     <a:srgbClr val="000000"/>
                   </a:solidFill>
@@ -1274,7 +1304,7 @@
             </a:ln>
             <a:extLst>
               <a:ext uri="{91240B29-F687-4f45-9708-019B960494DF}">
-                <a14:hiddenLine xmlns="" xmlns:a14="http://schemas.microsoft.com/office/drawing/2010/main" w="9525">
+                <a14:hiddenLine xmlns:a14="http://schemas.microsoft.com/office/drawing/2010/main" xmlns="" w="9525">
                   <a:solidFill>
                     <a:srgbClr val="000000"/>
                   </a:solidFill>
@@ -1308,7 +1338,7 @@
             </a:ln>
             <a:extLst>
               <a:ext uri="{91240B29-F687-4f45-9708-019B960494DF}">
-                <a14:hiddenLine xmlns="" xmlns:a14="http://schemas.microsoft.com/office/drawing/2010/main" w="9525">
+                <a14:hiddenLine xmlns:a14="http://schemas.microsoft.com/office/drawing/2010/main" xmlns="" w="9525">
                   <a:solidFill>
                     <a:srgbClr val="000000"/>
                   </a:solidFill>
@@ -1398,7 +1428,7 @@
             </a:ln>
             <a:extLst>
               <a:ext uri="{91240B29-F687-4f45-9708-019B960494DF}">
-                <a14:hiddenLine xmlns="" xmlns:a14="http://schemas.microsoft.com/office/drawing/2010/main" w="9525">
+                <a14:hiddenLine xmlns:a14="http://schemas.microsoft.com/office/drawing/2010/main" xmlns="" w="9525">
                   <a:solidFill>
                     <a:srgbClr val="000000"/>
                   </a:solidFill>
@@ -1460,7 +1490,7 @@
             </a:ln>
             <a:extLst>
               <a:ext uri="{91240B29-F687-4f45-9708-019B960494DF}">
-                <a14:hiddenLine xmlns="" xmlns:a14="http://schemas.microsoft.com/office/drawing/2010/main" w="9525">
+                <a14:hiddenLine xmlns:a14="http://schemas.microsoft.com/office/drawing/2010/main" xmlns="" w="9525">
                   <a:solidFill>
                     <a:srgbClr val="000000"/>
                   </a:solidFill>
@@ -1522,7 +1552,7 @@
             </a:ln>
             <a:extLst>
               <a:ext uri="{91240B29-F687-4f45-9708-019B960494DF}">
-                <a14:hiddenLine xmlns="" xmlns:a14="http://schemas.microsoft.com/office/drawing/2010/main" w="9525">
+                <a14:hiddenLine xmlns:a14="http://schemas.microsoft.com/office/drawing/2010/main" xmlns="" w="9525">
                   <a:solidFill>
                     <a:srgbClr val="000000"/>
                   </a:solidFill>
@@ -1612,7 +1642,7 @@
             </a:ln>
             <a:extLst>
               <a:ext uri="{91240B29-F687-4f45-9708-019B960494DF}">
-                <a14:hiddenLine xmlns="" xmlns:a14="http://schemas.microsoft.com/office/drawing/2010/main" w="9525">
+                <a14:hiddenLine xmlns:a14="http://schemas.microsoft.com/office/drawing/2010/main" xmlns="" w="9525">
                   <a:solidFill>
                     <a:srgbClr val="000000"/>
                   </a:solidFill>
@@ -1674,7 +1704,7 @@
             </a:ln>
             <a:extLst>
               <a:ext uri="{91240B29-F687-4f45-9708-019B960494DF}">
-                <a14:hiddenLine xmlns="" xmlns:a14="http://schemas.microsoft.com/office/drawing/2010/main" w="9525">
+                <a14:hiddenLine xmlns:a14="http://schemas.microsoft.com/office/drawing/2010/main" xmlns="" w="9525">
                   <a:solidFill>
                     <a:srgbClr val="000000"/>
                   </a:solidFill>
@@ -1736,7 +1766,7 @@
             </a:ln>
             <a:extLst>
               <a:ext uri="{91240B29-F687-4f45-9708-019B960494DF}">
-                <a14:hiddenLine xmlns="" xmlns:a14="http://schemas.microsoft.com/office/drawing/2010/main" w="9525">
+                <a14:hiddenLine xmlns:a14="http://schemas.microsoft.com/office/drawing/2010/main" xmlns="" w="9525">
                   <a:solidFill>
                     <a:srgbClr val="000000"/>
                   </a:solidFill>
@@ -1826,7 +1856,7 @@
             </a:ln>
             <a:extLst>
               <a:ext uri="{91240B29-F687-4f45-9708-019B960494DF}">
-                <a14:hiddenLine xmlns="" xmlns:a14="http://schemas.microsoft.com/office/drawing/2010/main" w="9525">
+                <a14:hiddenLine xmlns:a14="http://schemas.microsoft.com/office/drawing/2010/main" xmlns="" w="9525">
                   <a:solidFill>
                     <a:srgbClr val="000000"/>
                   </a:solidFill>
@@ -1916,7 +1946,7 @@
             </a:ln>
             <a:extLst>
               <a:ext uri="{91240B29-F687-4f45-9708-019B960494DF}">
-                <a14:hiddenLine xmlns="" xmlns:a14="http://schemas.microsoft.com/office/drawing/2010/main" w="9525">
+                <a14:hiddenLine xmlns:a14="http://schemas.microsoft.com/office/drawing/2010/main" xmlns="" w="9525">
                   <a:solidFill>
                     <a:srgbClr val="000000"/>
                   </a:solidFill>
@@ -1978,7 +2008,7 @@
             </a:ln>
             <a:extLst>
               <a:ext uri="{91240B29-F687-4f45-9708-019B960494DF}">
-                <a14:hiddenLine xmlns="" xmlns:a14="http://schemas.microsoft.com/office/drawing/2010/main" w="9525">
+                <a14:hiddenLine xmlns:a14="http://schemas.microsoft.com/office/drawing/2010/main" xmlns="" w="9525">
                   <a:solidFill>
                     <a:srgbClr val="000000"/>
                   </a:solidFill>
@@ -2088,7 +2118,7 @@
             </a:ln>
             <a:extLst>
               <a:ext uri="{91240B29-F687-4f45-9708-019B960494DF}">
-                <a14:hiddenLine xmlns="" xmlns:a14="http://schemas.microsoft.com/office/drawing/2010/main" w="9525">
+                <a14:hiddenLine xmlns:a14="http://schemas.microsoft.com/office/drawing/2010/main" xmlns="" w="9525">
                   <a:solidFill>
                     <a:srgbClr val="000000"/>
                   </a:solidFill>
@@ -2150,7 +2180,7 @@
             </a:ln>
             <a:extLst>
               <a:ext uri="{91240B29-F687-4f45-9708-019B960494DF}">
-                <a14:hiddenLine xmlns="" xmlns:a14="http://schemas.microsoft.com/office/drawing/2010/main" w="9525">
+                <a14:hiddenLine xmlns:a14="http://schemas.microsoft.com/office/drawing/2010/main" xmlns="" w="9525">
                   <a:solidFill>
                     <a:srgbClr val="000000"/>
                   </a:solidFill>
@@ -2240,7 +2270,7 @@
             </a:ln>
             <a:extLst>
               <a:ext uri="{91240B29-F687-4f45-9708-019B960494DF}">
-                <a14:hiddenLine xmlns="" xmlns:a14="http://schemas.microsoft.com/office/drawing/2010/main" w="9525">
+                <a14:hiddenLine xmlns:a14="http://schemas.microsoft.com/office/drawing/2010/main" xmlns="" w="9525">
                   <a:solidFill>
                     <a:srgbClr val="000000"/>
                   </a:solidFill>
@@ -2330,7 +2360,7 @@
             </a:ln>
             <a:extLst>
               <a:ext uri="{91240B29-F687-4f45-9708-019B960494DF}">
-                <a14:hiddenLine xmlns="" xmlns:a14="http://schemas.microsoft.com/office/drawing/2010/main" w="9525">
+                <a14:hiddenLine xmlns:a14="http://schemas.microsoft.com/office/drawing/2010/main" xmlns="" w="9525">
                   <a:solidFill>
                     <a:srgbClr val="000000"/>
                   </a:solidFill>
@@ -2392,7 +2422,7 @@
             </a:ln>
             <a:extLst>
               <a:ext uri="{91240B29-F687-4f45-9708-019B960494DF}">
-                <a14:hiddenLine xmlns="" xmlns:a14="http://schemas.microsoft.com/office/drawing/2010/main" w="9525">
+                <a14:hiddenLine xmlns:a14="http://schemas.microsoft.com/office/drawing/2010/main" xmlns="" w="9525">
                   <a:solidFill>
                     <a:srgbClr val="000000"/>
                   </a:solidFill>
@@ -2482,7 +2512,7 @@
             </a:ln>
             <a:extLst>
               <a:ext uri="{91240B29-F687-4f45-9708-019B960494DF}">
-                <a14:hiddenLine xmlns="" xmlns:a14="http://schemas.microsoft.com/office/drawing/2010/main" w="9525">
+                <a14:hiddenLine xmlns:a14="http://schemas.microsoft.com/office/drawing/2010/main" xmlns="" w="9525">
                   <a:solidFill>
                     <a:srgbClr val="000000"/>
                   </a:solidFill>
@@ -2572,7 +2602,7 @@
             </a:ln>
             <a:extLst>
               <a:ext uri="{91240B29-F687-4f45-9708-019B960494DF}">
-                <a14:hiddenLine xmlns="" xmlns:a14="http://schemas.microsoft.com/office/drawing/2010/main" w="9525">
+                <a14:hiddenLine xmlns:a14="http://schemas.microsoft.com/office/drawing/2010/main" xmlns="" w="9525">
                   <a:solidFill>
                     <a:srgbClr val="000000"/>
                   </a:solidFill>
@@ -2628,7 +2658,7 @@
             </a:ln>
             <a:extLst>
               <a:ext uri="{91240B29-F687-4f45-9708-019B960494DF}">
-                <a14:hiddenLine xmlns="" xmlns:a14="http://schemas.microsoft.com/office/drawing/2010/main" w="9525">
+                <a14:hiddenLine xmlns:a14="http://schemas.microsoft.com/office/drawing/2010/main" xmlns="" w="9525">
                   <a:solidFill>
                     <a:srgbClr val="000000"/>
                   </a:solidFill>
@@ -2718,7 +2748,7 @@
             </a:ln>
             <a:extLst>
               <a:ext uri="{91240B29-F687-4f45-9708-019B960494DF}">
-                <a14:hiddenLine xmlns="" xmlns:a14="http://schemas.microsoft.com/office/drawing/2010/main" w="9525">
+                <a14:hiddenLine xmlns:a14="http://schemas.microsoft.com/office/drawing/2010/main" xmlns="" w="9525">
                   <a:solidFill>
                     <a:srgbClr val="000000"/>
                   </a:solidFill>
@@ -2774,7 +2804,7 @@
             </a:ln>
             <a:extLst>
               <a:ext uri="{91240B29-F687-4f45-9708-019B960494DF}">
-                <a14:hiddenLine xmlns="" xmlns:a14="http://schemas.microsoft.com/office/drawing/2010/main" w="9525">
+                <a14:hiddenLine xmlns:a14="http://schemas.microsoft.com/office/drawing/2010/main" xmlns="" w="9525">
                   <a:solidFill>
                     <a:srgbClr val="000000"/>
                   </a:solidFill>
@@ -2864,7 +2894,7 @@
             </a:ln>
             <a:extLst>
               <a:ext uri="{91240B29-F687-4f45-9708-019B960494DF}">
-                <a14:hiddenLine xmlns="" xmlns:a14="http://schemas.microsoft.com/office/drawing/2010/main" w="9525">
+                <a14:hiddenLine xmlns:a14="http://schemas.microsoft.com/office/drawing/2010/main" xmlns="" w="9525">
                   <a:solidFill>
                     <a:srgbClr val="000000"/>
                   </a:solidFill>
@@ -2932,7 +2962,7 @@
             </a:ln>
             <a:extLst>
               <a:ext uri="{91240B29-F687-4f45-9708-019B960494DF}">
-                <a14:hiddenLine xmlns="" xmlns:a14="http://schemas.microsoft.com/office/drawing/2010/main" w="9525">
+                <a14:hiddenLine xmlns:a14="http://schemas.microsoft.com/office/drawing/2010/main" xmlns="" w="9525">
                   <a:solidFill>
                     <a:srgbClr val="000000"/>
                   </a:solidFill>
@@ -3022,7 +3052,7 @@
             </a:ln>
             <a:extLst>
               <a:ext uri="{91240B29-F687-4f45-9708-019B960494DF}">
-                <a14:hiddenLine xmlns="" xmlns:a14="http://schemas.microsoft.com/office/drawing/2010/main" w="9525">
+                <a14:hiddenLine xmlns:a14="http://schemas.microsoft.com/office/drawing/2010/main" xmlns="" w="9525">
                   <a:solidFill>
                     <a:srgbClr val="000000"/>
                   </a:solidFill>
@@ -3090,7 +3120,7 @@
             </a:ln>
             <a:extLst>
               <a:ext uri="{91240B29-F687-4f45-9708-019B960494DF}">
-                <a14:hiddenLine xmlns="" xmlns:a14="http://schemas.microsoft.com/office/drawing/2010/main" w="9525">
+                <a14:hiddenLine xmlns:a14="http://schemas.microsoft.com/office/drawing/2010/main" xmlns="" w="9525">
                   <a:solidFill>
                     <a:srgbClr val="000000"/>
                   </a:solidFill>
@@ -3180,7 +3210,7 @@
             </a:ln>
             <a:extLst>
               <a:ext uri="{91240B29-F687-4f45-9708-019B960494DF}">
-                <a14:hiddenLine xmlns="" xmlns:a14="http://schemas.microsoft.com/office/drawing/2010/main" w="9525">
+                <a14:hiddenLine xmlns:a14="http://schemas.microsoft.com/office/drawing/2010/main" xmlns="" w="9525">
                   <a:solidFill>
                     <a:srgbClr val="000000"/>
                   </a:solidFill>
@@ -3214,7 +3244,7 @@
             </a:ln>
             <a:extLst>
               <a:ext uri="{91240B29-F687-4f45-9708-019B960494DF}">
-                <a14:hiddenLine xmlns="" xmlns:a14="http://schemas.microsoft.com/office/drawing/2010/main" w="9525">
+                <a14:hiddenLine xmlns:a14="http://schemas.microsoft.com/office/drawing/2010/main" xmlns="" w="9525">
                   <a:solidFill>
                     <a:srgbClr val="000000"/>
                   </a:solidFill>
@@ -3304,7 +3334,7 @@
             </a:ln>
             <a:extLst>
               <a:ext uri="{91240B29-F687-4f45-9708-019B960494DF}">
-                <a14:hiddenLine xmlns="" xmlns:a14="http://schemas.microsoft.com/office/drawing/2010/main" w="9525">
+                <a14:hiddenLine xmlns:a14="http://schemas.microsoft.com/office/drawing/2010/main" xmlns="" w="9525">
                   <a:solidFill>
                     <a:srgbClr val="000000"/>
                   </a:solidFill>
@@ -3366,7 +3396,7 @@
             </a:ln>
             <a:extLst>
               <a:ext uri="{91240B29-F687-4f45-9708-019B960494DF}">
-                <a14:hiddenLine xmlns="" xmlns:a14="http://schemas.microsoft.com/office/drawing/2010/main" w="9525">
+                <a14:hiddenLine xmlns:a14="http://schemas.microsoft.com/office/drawing/2010/main" xmlns="" w="9525">
                   <a:solidFill>
                     <a:srgbClr val="000000"/>
                   </a:solidFill>
@@ -3428,7 +3458,7 @@
             </a:ln>
             <a:extLst>
               <a:ext uri="{91240B29-F687-4f45-9708-019B960494DF}">
-                <a14:hiddenLine xmlns="" xmlns:a14="http://schemas.microsoft.com/office/drawing/2010/main" w="9525">
+                <a14:hiddenLine xmlns:a14="http://schemas.microsoft.com/office/drawing/2010/main" xmlns="" w="9525">
                   <a:solidFill>
                     <a:srgbClr val="000000"/>
                   </a:solidFill>
@@ -3518,7 +3548,7 @@
             </a:ln>
             <a:extLst>
               <a:ext uri="{91240B29-F687-4f45-9708-019B960494DF}">
-                <a14:hiddenLine xmlns="" xmlns:a14="http://schemas.microsoft.com/office/drawing/2010/main" w="9525">
+                <a14:hiddenLine xmlns:a14="http://schemas.microsoft.com/office/drawing/2010/main" xmlns="" w="9525">
                   <a:solidFill>
                     <a:srgbClr val="000000"/>
                   </a:solidFill>
@@ -3586,7 +3616,7 @@
             </a:ln>
             <a:extLst>
               <a:ext uri="{91240B29-F687-4f45-9708-019B960494DF}">
-                <a14:hiddenLine xmlns="" xmlns:a14="http://schemas.microsoft.com/office/drawing/2010/main" w="9525">
+                <a14:hiddenLine xmlns:a14="http://schemas.microsoft.com/office/drawing/2010/main" xmlns="" w="9525">
                   <a:solidFill>
                     <a:srgbClr val="000000"/>
                   </a:solidFill>
@@ -3648,7 +3678,7 @@
             </a:ln>
             <a:extLst>
               <a:ext uri="{91240B29-F687-4f45-9708-019B960494DF}">
-                <a14:hiddenLine xmlns="" xmlns:a14="http://schemas.microsoft.com/office/drawing/2010/main" w="9525">
+                <a14:hiddenLine xmlns:a14="http://schemas.microsoft.com/office/drawing/2010/main" xmlns="" w="9525">
                   <a:solidFill>
                     <a:srgbClr val="000000"/>
                   </a:solidFill>
@@ -3738,7 +3768,7 @@
             </a:ln>
             <a:extLst>
               <a:ext uri="{91240B29-F687-4f45-9708-019B960494DF}">
-                <a14:hiddenLine xmlns="" xmlns:a14="http://schemas.microsoft.com/office/drawing/2010/main" w="9525">
+                <a14:hiddenLine xmlns:a14="http://schemas.microsoft.com/office/drawing/2010/main" xmlns="" w="9525">
                   <a:solidFill>
                     <a:srgbClr val="000000"/>
                   </a:solidFill>
@@ -3800,7 +3830,7 @@
             </a:ln>
             <a:extLst>
               <a:ext uri="{91240B29-F687-4f45-9708-019B960494DF}">
-                <a14:hiddenLine xmlns="" xmlns:a14="http://schemas.microsoft.com/office/drawing/2010/main" w="9525">
+                <a14:hiddenLine xmlns:a14="http://schemas.microsoft.com/office/drawing/2010/main" xmlns="" w="9525">
                   <a:solidFill>
                     <a:srgbClr val="000000"/>
                   </a:solidFill>
@@ -3890,7 +3920,7 @@
             </a:ln>
             <a:extLst>
               <a:ext uri="{91240B29-F687-4f45-9708-019B960494DF}">
-                <a14:hiddenLine xmlns="" xmlns:a14="http://schemas.microsoft.com/office/drawing/2010/main" w="9525">
+                <a14:hiddenLine xmlns:a14="http://schemas.microsoft.com/office/drawing/2010/main" xmlns="" w="9525">
                   <a:solidFill>
                     <a:srgbClr val="000000"/>
                   </a:solidFill>
@@ -3952,7 +3982,7 @@
             </a:ln>
             <a:extLst>
               <a:ext uri="{91240B29-F687-4f45-9708-019B960494DF}">
-                <a14:hiddenLine xmlns="" xmlns:a14="http://schemas.microsoft.com/office/drawing/2010/main" w="9525">
+                <a14:hiddenLine xmlns:a14="http://schemas.microsoft.com/office/drawing/2010/main" xmlns="" w="9525">
                   <a:solidFill>
                     <a:srgbClr val="000000"/>
                   </a:solidFill>
@@ -4042,7 +4072,7 @@
             </a:ln>
             <a:extLst>
               <a:ext uri="{91240B29-F687-4f45-9708-019B960494DF}">
-                <a14:hiddenLine xmlns="" xmlns:a14="http://schemas.microsoft.com/office/drawing/2010/main" w="9525">
+                <a14:hiddenLine xmlns:a14="http://schemas.microsoft.com/office/drawing/2010/main" xmlns="" w="9525">
                   <a:solidFill>
                     <a:srgbClr val="000000"/>
                   </a:solidFill>
@@ -4076,7 +4106,7 @@
             </a:ln>
             <a:extLst>
               <a:ext uri="{91240B29-F687-4f45-9708-019B960494DF}">
-                <a14:hiddenLine xmlns="" xmlns:a14="http://schemas.microsoft.com/office/drawing/2010/main" w="9525">
+                <a14:hiddenLine xmlns:a14="http://schemas.microsoft.com/office/drawing/2010/main" xmlns="" w="9525">
                   <a:solidFill>
                     <a:srgbClr val="000000"/>
                   </a:solidFill>
@@ -4141,7 +4171,7 @@
             </a:ln>
             <a:extLst>
               <a:ext uri="{91240B29-F687-4f45-9708-019B960494DF}">
-                <a14:hiddenLine xmlns="" xmlns:a14="http://schemas.microsoft.com/office/drawing/2010/main" w="9525">
+                <a14:hiddenLine xmlns:a14="http://schemas.microsoft.com/office/drawing/2010/main" xmlns="" w="9525">
                   <a:solidFill>
                     <a:srgbClr val="000000"/>
                   </a:solidFill>
@@ -4231,7 +4261,7 @@
             </a:ln>
             <a:extLst>
               <a:ext uri="{91240B29-F687-4f45-9708-019B960494DF}">
-                <a14:hiddenLine xmlns="" xmlns:a14="http://schemas.microsoft.com/office/drawing/2010/main" w="9525">
+                <a14:hiddenLine xmlns:a14="http://schemas.microsoft.com/office/drawing/2010/main" xmlns="" w="9525">
                   <a:solidFill>
                     <a:srgbClr val="000000"/>
                   </a:solidFill>
@@ -4293,7 +4323,7 @@
             </a:ln>
             <a:extLst>
               <a:ext uri="{91240B29-F687-4f45-9708-019B960494DF}">
-                <a14:hiddenLine xmlns="" xmlns:a14="http://schemas.microsoft.com/office/drawing/2010/main" w="9525">
+                <a14:hiddenLine xmlns:a14="http://schemas.microsoft.com/office/drawing/2010/main" xmlns="" w="9525">
                   <a:solidFill>
                     <a:srgbClr val="000000"/>
                   </a:solidFill>
@@ -4383,7 +4413,7 @@
             </a:ln>
             <a:extLst>
               <a:ext uri="{91240B29-F687-4f45-9708-019B960494DF}">
-                <a14:hiddenLine xmlns="" xmlns:a14="http://schemas.microsoft.com/office/drawing/2010/main" w="9525">
+                <a14:hiddenLine xmlns:a14="http://schemas.microsoft.com/office/drawing/2010/main" xmlns="" w="9525">
                   <a:solidFill>
                     <a:srgbClr val="000000"/>
                   </a:solidFill>
@@ -4473,7 +4503,7 @@
             </a:ln>
             <a:extLst>
               <a:ext uri="{91240B29-F687-4f45-9708-019B960494DF}">
-                <a14:hiddenLine xmlns="" xmlns:a14="http://schemas.microsoft.com/office/drawing/2010/main" w="9525">
+                <a14:hiddenLine xmlns:a14="http://schemas.microsoft.com/office/drawing/2010/main" xmlns="" w="9525">
                   <a:solidFill>
                     <a:srgbClr val="000000"/>
                   </a:solidFill>
@@ -4538,7 +4568,7 @@
             </a:ln>
             <a:extLst>
               <a:ext uri="{91240B29-F687-4f45-9708-019B960494DF}">
-                <a14:hiddenLine xmlns="" xmlns:a14="http://schemas.microsoft.com/office/drawing/2010/main" w="9525">
+                <a14:hiddenLine xmlns:a14="http://schemas.microsoft.com/office/drawing/2010/main" xmlns="" w="9525">
                   <a:solidFill>
                     <a:srgbClr val="000000"/>
                   </a:solidFill>
@@ -4600,7 +4630,7 @@
             </a:ln>
             <a:extLst>
               <a:ext uri="{91240B29-F687-4f45-9708-019B960494DF}">
-                <a14:hiddenLine xmlns="" xmlns:a14="http://schemas.microsoft.com/office/drawing/2010/main" w="9525">
+                <a14:hiddenLine xmlns:a14="http://schemas.microsoft.com/office/drawing/2010/main" xmlns="" w="9525">
                   <a:solidFill>
                     <a:srgbClr val="000000"/>
                   </a:solidFill>
@@ -4690,7 +4720,7 @@
             </a:ln>
             <a:extLst>
               <a:ext uri="{91240B29-F687-4f45-9708-019B960494DF}">
-                <a14:hiddenLine xmlns="" xmlns:a14="http://schemas.microsoft.com/office/drawing/2010/main" w="9525">
+                <a14:hiddenLine xmlns:a14="http://schemas.microsoft.com/office/drawing/2010/main" xmlns="" w="9525">
                   <a:solidFill>
                     <a:srgbClr val="000000"/>
                   </a:solidFill>
@@ -4780,7 +4810,7 @@
             </a:ln>
             <a:extLst>
               <a:ext uri="{91240B29-F687-4f45-9708-019B960494DF}">
-                <a14:hiddenLine xmlns="" xmlns:a14="http://schemas.microsoft.com/office/drawing/2010/main" w="9525">
+                <a14:hiddenLine xmlns:a14="http://schemas.microsoft.com/office/drawing/2010/main" xmlns="" w="9525">
                   <a:solidFill>
                     <a:srgbClr val="000000"/>
                   </a:solidFill>
@@ -4842,7 +4872,7 @@
             </a:ln>
             <a:extLst>
               <a:ext uri="{91240B29-F687-4f45-9708-019B960494DF}">
-                <a14:hiddenLine xmlns="" xmlns:a14="http://schemas.microsoft.com/office/drawing/2010/main" w="9525">
+                <a14:hiddenLine xmlns:a14="http://schemas.microsoft.com/office/drawing/2010/main" xmlns="" w="9525">
                   <a:solidFill>
                     <a:srgbClr val="000000"/>
                   </a:solidFill>
@@ -4962,7 +4992,7 @@
             </a:ln>
             <a:extLst>
               <a:ext uri="{91240B29-F687-4f45-9708-019B960494DF}">
-                <a14:hiddenLine xmlns="" xmlns:a14="http://schemas.microsoft.com/office/drawing/2010/main" w="9525">
+                <a14:hiddenLine xmlns:a14="http://schemas.microsoft.com/office/drawing/2010/main" xmlns="" w="9525">
                   <a:solidFill>
                     <a:srgbClr val="000000"/>
                   </a:solidFill>
@@ -5030,7 +5060,7 @@
             </a:ln>
             <a:extLst>
               <a:ext uri="{91240B29-F687-4f45-9708-019B960494DF}">
-                <a14:hiddenLine xmlns="" xmlns:a14="http://schemas.microsoft.com/office/drawing/2010/main" w="9525">
+                <a14:hiddenLine xmlns:a14="http://schemas.microsoft.com/office/drawing/2010/main" xmlns="" w="9525">
                   <a:solidFill>
                     <a:srgbClr val="000000"/>
                   </a:solidFill>
@@ -5120,7 +5150,7 @@
             </a:ln>
             <a:extLst>
               <a:ext uri="{91240B29-F687-4f45-9708-019B960494DF}">
-                <a14:hiddenLine xmlns="" xmlns:a14="http://schemas.microsoft.com/office/drawing/2010/main" w="9525">
+                <a14:hiddenLine xmlns:a14="http://schemas.microsoft.com/office/drawing/2010/main" xmlns="" w="9525">
                   <a:solidFill>
                     <a:srgbClr val="000000"/>
                   </a:solidFill>
@@ -5260,7 +5290,7 @@
           <a:p>
             <a:fld id="{48A87A34-81AB-432B-8DAE-1953F412C126}" type="datetimeFigureOut">
               <a:rPr lang="en-US" dirty="0"/>
-              <a:t>9/16/2017</a:t>
+              <a:t>9/19/2017</a:t>
             </a:fld>
             <a:endParaRPr lang="en-US" dirty="0"/>
           </a:p>
@@ -5522,7 +5552,7 @@
           <a:p>
             <a:fld id="{48A87A34-81AB-432B-8DAE-1953F412C126}" type="datetimeFigureOut">
               <a:rPr lang="en-US" dirty="0"/>
-              <a:t>9/16/2017</a:t>
+              <a:t>9/19/2017</a:t>
             </a:fld>
             <a:endParaRPr lang="en-US" dirty="0"/>
           </a:p>
@@ -5713,7 +5743,7 @@
           <a:p>
             <a:fld id="{48A87A34-81AB-432B-8DAE-1953F412C126}" type="datetimeFigureOut">
               <a:rPr lang="en-US" dirty="0"/>
-              <a:t>9/16/2017</a:t>
+              <a:t>9/19/2017</a:t>
             </a:fld>
             <a:endParaRPr lang="en-US" dirty="0"/>
           </a:p>
@@ -5971,7 +6001,7 @@
           <a:p>
             <a:fld id="{48A87A34-81AB-432B-8DAE-1953F412C126}" type="datetimeFigureOut">
               <a:rPr lang="en-US" dirty="0"/>
-              <a:t>9/16/2017</a:t>
+              <a:t>9/19/2017</a:t>
             </a:fld>
             <a:endParaRPr lang="en-US" dirty="0"/>
           </a:p>
@@ -6400,7 +6430,7 @@
           <a:p>
             <a:fld id="{48A87A34-81AB-432B-8DAE-1953F412C126}" type="datetimeFigureOut">
               <a:rPr lang="en-US" dirty="0"/>
-              <a:t>9/16/2017</a:t>
+              <a:t>9/19/2017</a:t>
             </a:fld>
             <a:endParaRPr lang="en-US" dirty="0"/>
           </a:p>
@@ -6941,7 +6971,7 @@
           <a:p>
             <a:fld id="{48A87A34-81AB-432B-8DAE-1953F412C126}" type="datetimeFigureOut">
               <a:rPr lang="en-US" dirty="0"/>
-              <a:t>9/16/2017</a:t>
+              <a:t>9/19/2017</a:t>
             </a:fld>
             <a:endParaRPr lang="en-US" dirty="0"/>
           </a:p>
@@ -7656,7 +7686,7 @@
           <a:p>
             <a:fld id="{48A87A34-81AB-432B-8DAE-1953F412C126}" type="datetimeFigureOut">
               <a:rPr lang="en-US" dirty="0"/>
-              <a:t>9/16/2017</a:t>
+              <a:t>9/19/2017</a:t>
             </a:fld>
             <a:endParaRPr lang="en-US" dirty="0"/>
           </a:p>
@@ -7821,7 +7851,7 @@
           <a:p>
             <a:fld id="{48A87A34-81AB-432B-8DAE-1953F412C126}" type="datetimeFigureOut">
               <a:rPr lang="en-US" dirty="0"/>
-              <a:t>9/16/2017</a:t>
+              <a:t>9/19/2017</a:t>
             </a:fld>
             <a:endParaRPr lang="en-US" dirty="0"/>
           </a:p>
@@ -7996,7 +8026,7 @@
           <a:p>
             <a:fld id="{48A87A34-81AB-432B-8DAE-1953F412C126}" type="datetimeFigureOut">
               <a:rPr lang="en-US" dirty="0"/>
-              <a:t>9/16/2017</a:t>
+              <a:t>9/19/2017</a:t>
             </a:fld>
             <a:endParaRPr lang="en-US" dirty="0"/>
           </a:p>
@@ -8161,7 +8191,7 @@
           <a:p>
             <a:fld id="{48A87A34-81AB-432B-8DAE-1953F412C126}" type="datetimeFigureOut">
               <a:rPr lang="en-US" dirty="0"/>
-              <a:t>9/16/2017</a:t>
+              <a:t>9/19/2017</a:t>
             </a:fld>
             <a:endParaRPr lang="en-US" dirty="0"/>
           </a:p>
@@ -8406,7 +8436,7 @@
           <a:p>
             <a:fld id="{48A87A34-81AB-432B-8DAE-1953F412C126}" type="datetimeFigureOut">
               <a:rPr lang="en-US" dirty="0"/>
-              <a:t>9/16/2017</a:t>
+              <a:t>9/19/2017</a:t>
             </a:fld>
             <a:endParaRPr lang="en-US" dirty="0"/>
           </a:p>
@@ -8633,7 +8663,7 @@
           <a:p>
             <a:fld id="{48A87A34-81AB-432B-8DAE-1953F412C126}" type="datetimeFigureOut">
               <a:rPr lang="en-US" dirty="0"/>
-              <a:t>9/16/2017</a:t>
+              <a:t>9/19/2017</a:t>
             </a:fld>
             <a:endParaRPr lang="en-US" dirty="0"/>
           </a:p>
@@ -9009,7 +9039,7 @@
           <a:p>
             <a:fld id="{48A87A34-81AB-432B-8DAE-1953F412C126}" type="datetimeFigureOut">
               <a:rPr lang="en-US" dirty="0"/>
-              <a:t>9/16/2017</a:t>
+              <a:t>9/19/2017</a:t>
             </a:fld>
             <a:endParaRPr lang="en-US" dirty="0"/>
           </a:p>
@@ -9122,7 +9152,7 @@
           <a:p>
             <a:fld id="{48A87A34-81AB-432B-8DAE-1953F412C126}" type="datetimeFigureOut">
               <a:rPr lang="en-US" dirty="0"/>
-              <a:t>9/16/2017</a:t>
+              <a:t>9/19/2017</a:t>
             </a:fld>
             <a:endParaRPr lang="en-US" dirty="0"/>
           </a:p>
@@ -9212,7 +9242,7 @@
           <a:p>
             <a:fld id="{48A87A34-81AB-432B-8DAE-1953F412C126}" type="datetimeFigureOut">
               <a:rPr lang="en-US" dirty="0"/>
-              <a:t>9/16/2017</a:t>
+              <a:t>9/19/2017</a:t>
             </a:fld>
             <a:endParaRPr lang="en-US" dirty="0"/>
           </a:p>
@@ -9456,7 +9486,7 @@
           <a:p>
             <a:fld id="{48A87A34-81AB-432B-8DAE-1953F412C126}" type="datetimeFigureOut">
               <a:rPr lang="en-US" dirty="0"/>
-              <a:t>9/16/2017</a:t>
+              <a:t>9/19/2017</a:t>
             </a:fld>
             <a:endParaRPr lang="en-US" dirty="0"/>
           </a:p>
@@ -9731,7 +9761,7 @@
           <a:p>
             <a:fld id="{48A87A34-81AB-432B-8DAE-1953F412C126}" type="datetimeFigureOut">
               <a:rPr lang="en-US" dirty="0"/>
-              <a:t>9/16/2017</a:t>
+              <a:t>9/19/2017</a:t>
             </a:fld>
             <a:endParaRPr lang="en-US" dirty="0"/>
           </a:p>
@@ -9849,7 +9879,7 @@
           <a:noFill/>
           <a:extLst>
             <a:ext uri="{909E8E84-426E-40dd-AFC4-6F175D3DCCD1}">
-              <a14:hiddenFill xmlns="" xmlns:a14="http://schemas.microsoft.com/office/drawing/2010/main">
+              <a14:hiddenFill xmlns:a14="http://schemas.microsoft.com/office/drawing/2010/main" xmlns="">
                 <a:solidFill>
                   <a:srgbClr val="FFFFFF"/>
                 </a:solidFill>
@@ -9923,7 +9953,7 @@
               </a:ln>
               <a:extLst>
                 <a:ext uri="{91240B29-F687-4f45-9708-019B960494DF}">
-                  <a14:hiddenLine xmlns="" xmlns:a14="http://schemas.microsoft.com/office/drawing/2010/main" w="9525">
+                  <a14:hiddenLine xmlns:a14="http://schemas.microsoft.com/office/drawing/2010/main" xmlns="" w="9525">
                     <a:solidFill>
                       <a:srgbClr val="000000"/>
                     </a:solidFill>
@@ -10013,7 +10043,7 @@
               </a:ln>
               <a:extLst>
                 <a:ext uri="{91240B29-F687-4f45-9708-019B960494DF}">
-                  <a14:hiddenLine xmlns="" xmlns:a14="http://schemas.microsoft.com/office/drawing/2010/main" w="9525">
+                  <a14:hiddenLine xmlns:a14="http://schemas.microsoft.com/office/drawing/2010/main" xmlns="" w="9525">
                     <a:solidFill>
                       <a:srgbClr val="000000"/>
                     </a:solidFill>
@@ -10103,7 +10133,7 @@
               </a:ln>
               <a:extLst>
                 <a:ext uri="{91240B29-F687-4f45-9708-019B960494DF}">
-                  <a14:hiddenLine xmlns="" xmlns:a14="http://schemas.microsoft.com/office/drawing/2010/main" w="9525">
+                  <a14:hiddenLine xmlns:a14="http://schemas.microsoft.com/office/drawing/2010/main" xmlns="" w="9525">
                     <a:solidFill>
                       <a:srgbClr val="000000"/>
                     </a:solidFill>
@@ -10165,7 +10195,7 @@
               </a:ln>
               <a:extLst>
                 <a:ext uri="{91240B29-F687-4f45-9708-019B960494DF}">
-                  <a14:hiddenLine xmlns="" xmlns:a14="http://schemas.microsoft.com/office/drawing/2010/main" w="9525">
+                  <a14:hiddenLine xmlns:a14="http://schemas.microsoft.com/office/drawing/2010/main" xmlns="" w="9525">
                     <a:solidFill>
                       <a:srgbClr val="000000"/>
                     </a:solidFill>
@@ -10255,7 +10285,7 @@
               </a:ln>
               <a:extLst>
                 <a:ext uri="{91240B29-F687-4f45-9708-019B960494DF}">
-                  <a14:hiddenLine xmlns="" xmlns:a14="http://schemas.microsoft.com/office/drawing/2010/main" w="9525">
+                  <a14:hiddenLine xmlns:a14="http://schemas.microsoft.com/office/drawing/2010/main" xmlns="" w="9525">
                     <a:solidFill>
                       <a:srgbClr val="000000"/>
                     </a:solidFill>
@@ -10317,7 +10347,7 @@
               </a:ln>
               <a:extLst>
                 <a:ext uri="{91240B29-F687-4f45-9708-019B960494DF}">
-                  <a14:hiddenLine xmlns="" xmlns:a14="http://schemas.microsoft.com/office/drawing/2010/main" w="9525">
+                  <a14:hiddenLine xmlns:a14="http://schemas.microsoft.com/office/drawing/2010/main" xmlns="" w="9525">
                     <a:solidFill>
                       <a:srgbClr val="000000"/>
                     </a:solidFill>
@@ -10379,7 +10409,7 @@
               </a:ln>
               <a:extLst>
                 <a:ext uri="{91240B29-F687-4f45-9708-019B960494DF}">
-                  <a14:hiddenLine xmlns="" xmlns:a14="http://schemas.microsoft.com/office/drawing/2010/main" w="9525">
+                  <a14:hiddenLine xmlns:a14="http://schemas.microsoft.com/office/drawing/2010/main" xmlns="" w="9525">
                     <a:solidFill>
                       <a:srgbClr val="000000"/>
                     </a:solidFill>
@@ -10469,7 +10499,7 @@
               </a:ln>
               <a:extLst>
                 <a:ext uri="{91240B29-F687-4f45-9708-019B960494DF}">
-                  <a14:hiddenLine xmlns="" xmlns:a14="http://schemas.microsoft.com/office/drawing/2010/main" w="9525">
+                  <a14:hiddenLine xmlns:a14="http://schemas.microsoft.com/office/drawing/2010/main" xmlns="" w="9525">
                     <a:solidFill>
                       <a:srgbClr val="000000"/>
                     </a:solidFill>
@@ -10559,7 +10589,7 @@
               </a:ln>
               <a:extLst>
                 <a:ext uri="{91240B29-F687-4f45-9708-019B960494DF}">
-                  <a14:hiddenLine xmlns="" xmlns:a14="http://schemas.microsoft.com/office/drawing/2010/main" w="9525">
+                  <a14:hiddenLine xmlns:a14="http://schemas.microsoft.com/office/drawing/2010/main" xmlns="" w="9525">
                     <a:solidFill>
                       <a:srgbClr val="000000"/>
                     </a:solidFill>
@@ -10621,7 +10651,7 @@
               </a:ln>
               <a:extLst>
                 <a:ext uri="{91240B29-F687-4f45-9708-019B960494DF}">
-                  <a14:hiddenLine xmlns="" xmlns:a14="http://schemas.microsoft.com/office/drawing/2010/main" w="9525">
+                  <a14:hiddenLine xmlns:a14="http://schemas.microsoft.com/office/drawing/2010/main" xmlns="" w="9525">
                     <a:solidFill>
                       <a:srgbClr val="000000"/>
                     </a:solidFill>
@@ -10731,7 +10761,7 @@
               </a:ln>
               <a:extLst>
                 <a:ext uri="{91240B29-F687-4f45-9708-019B960494DF}">
-                  <a14:hiddenLine xmlns="" xmlns:a14="http://schemas.microsoft.com/office/drawing/2010/main" w="9525">
+                  <a14:hiddenLine xmlns:a14="http://schemas.microsoft.com/office/drawing/2010/main" xmlns="" w="9525">
                     <a:solidFill>
                       <a:srgbClr val="000000"/>
                     </a:solidFill>
@@ -10815,7 +10845,7 @@
               </a:ln>
               <a:extLst>
                 <a:ext uri="{91240B29-F687-4f45-9708-019B960494DF}">
-                  <a14:hiddenLine xmlns="" xmlns:a14="http://schemas.microsoft.com/office/drawing/2010/main" w="9525">
+                  <a14:hiddenLine xmlns:a14="http://schemas.microsoft.com/office/drawing/2010/main" xmlns="" w="9525">
                     <a:solidFill>
                       <a:srgbClr val="000000"/>
                     </a:solidFill>
@@ -10877,7 +10907,7 @@
               </a:ln>
               <a:extLst>
                 <a:ext uri="{91240B29-F687-4f45-9708-019B960494DF}">
-                  <a14:hiddenLine xmlns="" xmlns:a14="http://schemas.microsoft.com/office/drawing/2010/main" w="9525">
+                  <a14:hiddenLine xmlns:a14="http://schemas.microsoft.com/office/drawing/2010/main" xmlns="" w="9525">
                     <a:solidFill>
                       <a:srgbClr val="000000"/>
                     </a:solidFill>
@@ -10939,7 +10969,7 @@
               </a:ln>
               <a:extLst>
                 <a:ext uri="{91240B29-F687-4f45-9708-019B960494DF}">
-                  <a14:hiddenLine xmlns="" xmlns:a14="http://schemas.microsoft.com/office/drawing/2010/main" w="9525">
+                  <a14:hiddenLine xmlns:a14="http://schemas.microsoft.com/office/drawing/2010/main" xmlns="" w="9525">
                     <a:solidFill>
                       <a:srgbClr val="000000"/>
                     </a:solidFill>
@@ -11029,7 +11059,7 @@
               </a:ln>
               <a:extLst>
                 <a:ext uri="{91240B29-F687-4f45-9708-019B960494DF}">
-                  <a14:hiddenLine xmlns="" xmlns:a14="http://schemas.microsoft.com/office/drawing/2010/main" w="9525">
+                  <a14:hiddenLine xmlns:a14="http://schemas.microsoft.com/office/drawing/2010/main" xmlns="" w="9525">
                     <a:solidFill>
                       <a:srgbClr val="000000"/>
                     </a:solidFill>
@@ -11063,7 +11093,7 @@
               </a:ln>
               <a:extLst>
                 <a:ext uri="{91240B29-F687-4f45-9708-019B960494DF}">
-                  <a14:hiddenLine xmlns="" xmlns:a14="http://schemas.microsoft.com/office/drawing/2010/main" w="9525">
+                  <a14:hiddenLine xmlns:a14="http://schemas.microsoft.com/office/drawing/2010/main" xmlns="" w="9525">
                     <a:solidFill>
                       <a:srgbClr val="000000"/>
                     </a:solidFill>
@@ -11128,7 +11158,7 @@
               </a:ln>
               <a:extLst>
                 <a:ext uri="{91240B29-F687-4f45-9708-019B960494DF}">
-                  <a14:hiddenLine xmlns="" xmlns:a14="http://schemas.microsoft.com/office/drawing/2010/main" w="9525">
+                  <a14:hiddenLine xmlns:a14="http://schemas.microsoft.com/office/drawing/2010/main" xmlns="" w="9525">
                     <a:solidFill>
                       <a:srgbClr val="000000"/>
                     </a:solidFill>
@@ -11218,7 +11248,7 @@
               </a:ln>
               <a:extLst>
                 <a:ext uri="{91240B29-F687-4f45-9708-019B960494DF}">
-                  <a14:hiddenLine xmlns="" xmlns:a14="http://schemas.microsoft.com/office/drawing/2010/main" w="9525">
+                  <a14:hiddenLine xmlns:a14="http://schemas.microsoft.com/office/drawing/2010/main" xmlns="" w="9525">
                     <a:solidFill>
                       <a:srgbClr val="000000"/>
                     </a:solidFill>
@@ -11280,7 +11310,7 @@
               </a:ln>
               <a:extLst>
                 <a:ext uri="{91240B29-F687-4f45-9708-019B960494DF}">
-                  <a14:hiddenLine xmlns="" xmlns:a14="http://schemas.microsoft.com/office/drawing/2010/main" w="9525">
+                  <a14:hiddenLine xmlns:a14="http://schemas.microsoft.com/office/drawing/2010/main" xmlns="" w="9525">
                     <a:solidFill>
                       <a:srgbClr val="000000"/>
                     </a:solidFill>
@@ -11370,7 +11400,7 @@
               </a:ln>
               <a:extLst>
                 <a:ext uri="{91240B29-F687-4f45-9708-019B960494DF}">
-                  <a14:hiddenLine xmlns="" xmlns:a14="http://schemas.microsoft.com/office/drawing/2010/main" w="9525">
+                  <a14:hiddenLine xmlns:a14="http://schemas.microsoft.com/office/drawing/2010/main" xmlns="" w="9525">
                     <a:solidFill>
                       <a:srgbClr val="000000"/>
                     </a:solidFill>
@@ -11435,7 +11465,7 @@
               </a:ln>
               <a:extLst>
                 <a:ext uri="{91240B29-F687-4f45-9708-019B960494DF}">
-                  <a14:hiddenLine xmlns="" xmlns:a14="http://schemas.microsoft.com/office/drawing/2010/main" w="9525">
+                  <a14:hiddenLine xmlns:a14="http://schemas.microsoft.com/office/drawing/2010/main" xmlns="" w="9525">
                     <a:solidFill>
                       <a:srgbClr val="000000"/>
                     </a:solidFill>
@@ -11497,7 +11527,7 @@
               </a:ln>
               <a:extLst>
                 <a:ext uri="{91240B29-F687-4f45-9708-019B960494DF}">
-                  <a14:hiddenLine xmlns="" xmlns:a14="http://schemas.microsoft.com/office/drawing/2010/main" w="9525">
+                  <a14:hiddenLine xmlns:a14="http://schemas.microsoft.com/office/drawing/2010/main" xmlns="" w="9525">
                     <a:solidFill>
                       <a:srgbClr val="000000"/>
                     </a:solidFill>
@@ -11587,7 +11617,7 @@
               </a:ln>
               <a:extLst>
                 <a:ext uri="{91240B29-F687-4f45-9708-019B960494DF}">
-                  <a14:hiddenLine xmlns="" xmlns:a14="http://schemas.microsoft.com/office/drawing/2010/main" w="9525">
+                  <a14:hiddenLine xmlns:a14="http://schemas.microsoft.com/office/drawing/2010/main" xmlns="" w="9525">
                     <a:solidFill>
                       <a:srgbClr val="000000"/>
                     </a:solidFill>
@@ -11677,7 +11707,7 @@
               </a:ln>
               <a:extLst>
                 <a:ext uri="{91240B29-F687-4f45-9708-019B960494DF}">
-                  <a14:hiddenLine xmlns="" xmlns:a14="http://schemas.microsoft.com/office/drawing/2010/main" w="9525">
+                  <a14:hiddenLine xmlns:a14="http://schemas.microsoft.com/office/drawing/2010/main" xmlns="" w="9525">
                     <a:solidFill>
                       <a:srgbClr val="000000"/>
                     </a:solidFill>
@@ -11742,7 +11772,7 @@
               </a:ln>
               <a:extLst>
                 <a:ext uri="{91240B29-F687-4f45-9708-019B960494DF}">
-                  <a14:hiddenLine xmlns="" xmlns:a14="http://schemas.microsoft.com/office/drawing/2010/main" w="9525">
+                  <a14:hiddenLine xmlns:a14="http://schemas.microsoft.com/office/drawing/2010/main" xmlns="" w="9525">
                     <a:solidFill>
                       <a:srgbClr val="000000"/>
                     </a:solidFill>
@@ -11862,7 +11892,7 @@
               </a:ln>
               <a:extLst>
                 <a:ext uri="{91240B29-F687-4f45-9708-019B960494DF}">
-                  <a14:hiddenLine xmlns="" xmlns:a14="http://schemas.microsoft.com/office/drawing/2010/main" w="9525">
+                  <a14:hiddenLine xmlns:a14="http://schemas.microsoft.com/office/drawing/2010/main" xmlns="" w="9525">
                     <a:solidFill>
                       <a:srgbClr val="000000"/>
                     </a:solidFill>
@@ -11943,7 +11973,7 @@
               </a:ln>
               <a:extLst>
                 <a:ext uri="{91240B29-F687-4f45-9708-019B960494DF}">
-                  <a14:hiddenLine xmlns="" xmlns:a14="http://schemas.microsoft.com/office/drawing/2010/main" w="9525">
+                  <a14:hiddenLine xmlns:a14="http://schemas.microsoft.com/office/drawing/2010/main" xmlns="" w="9525">
                     <a:solidFill>
                       <a:srgbClr val="000000"/>
                     </a:solidFill>
@@ -12058,7 +12088,7 @@
               </a:ln>
               <a:extLst>
                 <a:ext uri="{91240B29-F687-4f45-9708-019B960494DF}">
-                  <a14:hiddenLine xmlns="" xmlns:a14="http://schemas.microsoft.com/office/drawing/2010/main" w="9525">
+                  <a14:hiddenLine xmlns:a14="http://schemas.microsoft.com/office/drawing/2010/main" xmlns="" w="9525">
                     <a:solidFill>
                       <a:srgbClr val="000000"/>
                     </a:solidFill>
@@ -12148,7 +12178,7 @@
               </a:ln>
               <a:extLst>
                 <a:ext uri="{91240B29-F687-4f45-9708-019B960494DF}">
-                  <a14:hiddenLine xmlns="" xmlns:a14="http://schemas.microsoft.com/office/drawing/2010/main" w="9525">
+                  <a14:hiddenLine xmlns:a14="http://schemas.microsoft.com/office/drawing/2010/main" xmlns="" w="9525">
                     <a:solidFill>
                       <a:srgbClr val="000000"/>
                     </a:solidFill>
@@ -12213,7 +12243,7 @@
               </a:ln>
               <a:extLst>
                 <a:ext uri="{91240B29-F687-4f45-9708-019B960494DF}">
-                  <a14:hiddenLine xmlns="" xmlns:a14="http://schemas.microsoft.com/office/drawing/2010/main" w="9525">
+                  <a14:hiddenLine xmlns:a14="http://schemas.microsoft.com/office/drawing/2010/main" xmlns="" w="9525">
                     <a:solidFill>
                       <a:srgbClr val="000000"/>
                     </a:solidFill>
@@ -12303,7 +12333,7 @@
               </a:ln>
               <a:extLst>
                 <a:ext uri="{91240B29-F687-4f45-9708-019B960494DF}">
-                  <a14:hiddenLine xmlns="" xmlns:a14="http://schemas.microsoft.com/office/drawing/2010/main" w="9525">
+                  <a14:hiddenLine xmlns:a14="http://schemas.microsoft.com/office/drawing/2010/main" xmlns="" w="9525">
                     <a:solidFill>
                       <a:srgbClr val="000000"/>
                     </a:solidFill>
@@ -12371,7 +12401,7 @@
               </a:ln>
               <a:extLst>
                 <a:ext uri="{91240B29-F687-4f45-9708-019B960494DF}">
-                  <a14:hiddenLine xmlns="" xmlns:a14="http://schemas.microsoft.com/office/drawing/2010/main" w="9525">
+                  <a14:hiddenLine xmlns:a14="http://schemas.microsoft.com/office/drawing/2010/main" xmlns="" w="9525">
                     <a:solidFill>
                       <a:srgbClr val="000000"/>
                     </a:solidFill>
@@ -12461,7 +12491,7 @@
               </a:ln>
               <a:extLst>
                 <a:ext uri="{91240B29-F687-4f45-9708-019B960494DF}">
-                  <a14:hiddenLine xmlns="" xmlns:a14="http://schemas.microsoft.com/office/drawing/2010/main" w="9525">
+                  <a14:hiddenLine xmlns:a14="http://schemas.microsoft.com/office/drawing/2010/main" xmlns="" w="9525">
                     <a:solidFill>
                       <a:srgbClr val="000000"/>
                     </a:solidFill>
@@ -12529,7 +12559,7 @@
               </a:ln>
               <a:extLst>
                 <a:ext uri="{91240B29-F687-4f45-9708-019B960494DF}">
-                  <a14:hiddenLine xmlns="" xmlns:a14="http://schemas.microsoft.com/office/drawing/2010/main" w="9525">
+                  <a14:hiddenLine xmlns:a14="http://schemas.microsoft.com/office/drawing/2010/main" xmlns="" w="9525">
                     <a:solidFill>
                       <a:srgbClr val="000000"/>
                     </a:solidFill>
@@ -12619,7 +12649,7 @@
               </a:ln>
               <a:extLst>
                 <a:ext uri="{91240B29-F687-4f45-9708-019B960494DF}">
-                  <a14:hiddenLine xmlns="" xmlns:a14="http://schemas.microsoft.com/office/drawing/2010/main" w="9525">
+                  <a14:hiddenLine xmlns:a14="http://schemas.microsoft.com/office/drawing/2010/main" xmlns="" w="9525">
                     <a:solidFill>
                       <a:srgbClr val="000000"/>
                     </a:solidFill>
@@ -12653,7 +12683,7 @@
               </a:ln>
               <a:extLst>
                 <a:ext uri="{91240B29-F687-4f45-9708-019B960494DF}">
-                  <a14:hiddenLine xmlns="" xmlns:a14="http://schemas.microsoft.com/office/drawing/2010/main" w="9525">
+                  <a14:hiddenLine xmlns:a14="http://schemas.microsoft.com/office/drawing/2010/main" xmlns="" w="9525">
                     <a:solidFill>
                       <a:srgbClr val="000000"/>
                     </a:solidFill>
@@ -12794,7 +12824,7 @@
             <a:fld id="{48A87A34-81AB-432B-8DAE-1953F412C126}" type="datetimeFigureOut">
               <a:rPr lang="en-US" dirty="0"/>
               <a:pPr/>
-              <a:t>9/16/2017</a:t>
+              <a:t>9/19/2017</a:t>
             </a:fld>
             <a:endParaRPr lang="en-US" dirty="0"/>
           </a:p>
@@ -13607,6 +13637,65 @@
           </a:sp3d>
         </p:spPr>
       </p:pic>
+      <p:pic>
+        <p:nvPicPr>
+          <p:cNvPr id="12" name="Picture 11"/>
+          <p:cNvPicPr>
+            <a:picLocks noChangeAspect="1"/>
+          </p:cNvPicPr>
+          <p:nvPr/>
+        </p:nvPicPr>
+        <p:blipFill>
+          <a:blip r:embed="rId7">
+            <a:extLst>
+              <a:ext uri="{28A0092B-C50C-407E-A947-70E740481C1C}">
+                <a14:useLocalDpi xmlns:a14="http://schemas.microsoft.com/office/drawing/2010/main" val="0"/>
+              </a:ext>
+            </a:extLst>
+          </a:blip>
+          <a:stretch>
+            <a:fillRect/>
+          </a:stretch>
+        </p:blipFill>
+        <p:spPr>
+          <a:xfrm>
+            <a:off x="1102736" y="4091568"/>
+            <a:ext cx="543932" cy="543932"/>
+          </a:xfrm>
+          <a:prstGeom prst="rect">
+            <a:avLst/>
+          </a:prstGeom>
+        </p:spPr>
+      </p:pic>
+      <p:sp>
+        <p:nvSpPr>
+          <p:cNvPr id="13" name="TextBox 12"/>
+          <p:cNvSpPr txBox="1"/>
+          <p:nvPr/>
+        </p:nvSpPr>
+        <p:spPr>
+          <a:xfrm>
+            <a:off x="1613853" y="4178868"/>
+            <a:ext cx="4512832" cy="369332"/>
+          </a:xfrm>
+          <a:prstGeom prst="rect">
+            <a:avLst/>
+          </a:prstGeom>
+          <a:noFill/>
+        </p:spPr>
+        <p:txBody>
+          <a:bodyPr wrap="square" rtlCol="0">
+            <a:spAutoFit/>
+          </a:bodyPr>
+          <a:lstStyle/>
+          <a:p>
+            <a:r>
+              <a:rPr lang="en-US" dirty="0"/>
+              <a:t>https://github.com/powershellpr0mpt</a:t>
+            </a:r>
+          </a:p>
+        </p:txBody>
+      </p:sp>
     </p:spTree>
     <p:extLst>
       <p:ext uri="{BB962C8B-B14F-4D97-AF65-F5344CB8AC3E}">
@@ -13791,13 +13880,8 @@
           <a:p>
             <a:r>
               <a:rPr lang="en-US" dirty="0" smtClean="0"/>
-              <a:t>Increase </a:t>
-            </a:r>
-            <a:r>
-              <a:rPr lang="en-US" dirty="0" smtClean="0"/>
-              <a:t>usability</a:t>
-            </a:r>
-            <a:endParaRPr lang="en-US" dirty="0" smtClean="0"/>
+              <a:t>Increase usability</a:t>
+            </a:r>
           </a:p>
           <a:p>
             <a:r>
